--- a/Challenge/pipeline_graph.pptx
+++ b/Challenge/pipeline_graph.pptx
@@ -7,8 +7,11 @@
   <p:sldIdLst>
     <p:sldId id="256" r:id="rId3"/>
   </p:sldIdLst>
-  <p:sldSz cx="12192000" cy="6858000"/>
+  <p:sldSz cx="32399605" cy="10799445"/>
   <p:notesSz cx="6858000" cy="9144000"/>
+  <p:custDataLst>
+    <p:tags r:id="rId7"/>
+  </p:custDataLst>
   <p:defaultTextStyle>
     <a:defPPr>
       <a:defRPr lang="en-US"/>
@@ -136,15 +139,15 @@
         </p:nvSpPr>
         <p:spPr>
           <a:xfrm>
-            <a:off x="1524000" y="1122363"/>
-            <a:ext cx="9144000" cy="2387600"/>
+            <a:off x="4050089" y="1767591"/>
+            <a:ext cx="24300534" cy="3760193"/>
           </a:xfrm>
         </p:spPr>
         <p:txBody>
           <a:bodyPr anchor="b"/>
           <a:lstStyle>
             <a:lvl1pPr algn="ctr">
-              <a:defRPr sz="6000"/>
+              <a:defRPr sz="9450"/>
             </a:lvl1pPr>
           </a:lstStyle>
           <a:p>
@@ -168,8 +171,8 @@
         </p:nvSpPr>
         <p:spPr>
           <a:xfrm>
-            <a:off x="1524000" y="3602038"/>
-            <a:ext cx="9144000" cy="1655762"/>
+            <a:off x="4050089" y="5672792"/>
+            <a:ext cx="24300534" cy="2607633"/>
           </a:xfrm>
         </p:spPr>
         <p:txBody>
@@ -177,39 +180,39 @@
           <a:lstStyle>
             <a:lvl1pPr marL="0" indent="0" algn="ctr">
               <a:buNone/>
-              <a:defRPr sz="2400"/>
+              <a:defRPr sz="3780"/>
             </a:lvl1pPr>
-            <a:lvl2pPr marL="457200" indent="0" algn="ctr">
+            <a:lvl2pPr marL="720090" indent="0" algn="ctr">
               <a:buNone/>
-              <a:defRPr sz="2000"/>
+              <a:defRPr sz="3150"/>
             </a:lvl2pPr>
-            <a:lvl3pPr marL="914400" indent="0" algn="ctr">
+            <a:lvl3pPr marL="1440180" indent="0" algn="ctr">
               <a:buNone/>
-              <a:defRPr sz="1800"/>
+              <a:defRPr sz="2835"/>
             </a:lvl3pPr>
-            <a:lvl4pPr marL="1371600" indent="0" algn="ctr">
+            <a:lvl4pPr marL="2160270" indent="0" algn="ctr">
               <a:buNone/>
-              <a:defRPr sz="1600"/>
+              <a:defRPr sz="2520"/>
             </a:lvl4pPr>
-            <a:lvl5pPr marL="1828800" indent="0" algn="ctr">
+            <a:lvl5pPr marL="2879725" indent="0" algn="ctr">
               <a:buNone/>
-              <a:defRPr sz="1600"/>
+              <a:defRPr sz="2520"/>
             </a:lvl5pPr>
-            <a:lvl6pPr marL="2286000" indent="0" algn="ctr">
+            <a:lvl6pPr marL="3599815" indent="0" algn="ctr">
               <a:buNone/>
-              <a:defRPr sz="1600"/>
+              <a:defRPr sz="2520"/>
             </a:lvl6pPr>
-            <a:lvl7pPr marL="2743200" indent="0" algn="ctr">
+            <a:lvl7pPr marL="4319905" indent="0" algn="ctr">
               <a:buNone/>
-              <a:defRPr sz="1600"/>
+              <a:defRPr sz="2520"/>
             </a:lvl7pPr>
-            <a:lvl8pPr marL="3200400" indent="0" algn="ctr">
+            <a:lvl8pPr marL="5039995" indent="0" algn="ctr">
               <a:buNone/>
-              <a:defRPr sz="1600"/>
+              <a:defRPr sz="2520"/>
             </a:lvl8pPr>
-            <a:lvl9pPr marL="3657600" indent="0" algn="ctr">
+            <a:lvl9pPr marL="5760085" indent="0" algn="ctr">
               <a:buNone/>
-              <a:defRPr sz="1600"/>
+              <a:defRPr sz="2520"/>
             </a:lvl9pPr>
           </a:lstStyle>
           <a:p>
@@ -488,8 +491,8 @@
         </p:nvSpPr>
         <p:spPr>
           <a:xfrm>
-            <a:off x="8724900" y="365125"/>
-            <a:ext cx="2628900" cy="5811838"/>
+            <a:off x="23186760" y="575029"/>
+            <a:ext cx="6986404" cy="9152970"/>
           </a:xfrm>
         </p:spPr>
         <p:txBody>
@@ -516,8 +519,8 @@
         </p:nvSpPr>
         <p:spPr>
           <a:xfrm>
-            <a:off x="838200" y="365125"/>
-            <a:ext cx="7734300" cy="5811838"/>
+            <a:off x="2227549" y="575029"/>
+            <a:ext cx="20554202" cy="9152970"/>
           </a:xfrm>
         </p:spPr>
         <p:txBody>
@@ -832,15 +835,15 @@
         </p:nvSpPr>
         <p:spPr>
           <a:xfrm>
-            <a:off x="831850" y="1709738"/>
-            <a:ext cx="10515600" cy="2852737"/>
+            <a:off x="2210674" y="2692639"/>
+            <a:ext cx="27945615" cy="4492730"/>
           </a:xfrm>
         </p:spPr>
         <p:txBody>
           <a:bodyPr anchor="b"/>
           <a:lstStyle>
             <a:lvl1pPr>
-              <a:defRPr sz="6000"/>
+              <a:defRPr sz="9450"/>
             </a:lvl1pPr>
           </a:lstStyle>
           <a:p>
@@ -864,8 +867,8 @@
         </p:nvSpPr>
         <p:spPr>
           <a:xfrm>
-            <a:off x="831850" y="4589463"/>
-            <a:ext cx="10515600" cy="1500187"/>
+            <a:off x="2210674" y="7227871"/>
+            <a:ext cx="27945615" cy="2362620"/>
           </a:xfrm>
         </p:spPr>
         <p:txBody>
@@ -873,7 +876,7 @@
           <a:lstStyle>
             <a:lvl1pPr marL="0" indent="0">
               <a:buNone/>
-              <a:defRPr sz="2400">
+              <a:defRPr sz="3780">
                 <a:solidFill>
                   <a:schemeClr val="tx1">
                     <a:tint val="75000"/>
@@ -881,9 +884,9 @@
                 </a:solidFill>
               </a:defRPr>
             </a:lvl1pPr>
-            <a:lvl2pPr marL="457200" indent="0">
+            <a:lvl2pPr marL="720090" indent="0">
               <a:buNone/>
-              <a:defRPr sz="2000">
+              <a:defRPr sz="3150">
                 <a:solidFill>
                   <a:schemeClr val="tx1">
                     <a:tint val="75000"/>
@@ -891,9 +894,9 @@
                 </a:solidFill>
               </a:defRPr>
             </a:lvl2pPr>
-            <a:lvl3pPr marL="914400" indent="0">
+            <a:lvl3pPr marL="1440180" indent="0">
               <a:buNone/>
-              <a:defRPr sz="1800">
+              <a:defRPr sz="2835">
                 <a:solidFill>
                   <a:schemeClr val="tx1">
                     <a:tint val="75000"/>
@@ -901,9 +904,9 @@
                 </a:solidFill>
               </a:defRPr>
             </a:lvl3pPr>
-            <a:lvl4pPr marL="1371600" indent="0">
+            <a:lvl4pPr marL="2160270" indent="0">
               <a:buNone/>
-              <a:defRPr sz="1600">
+              <a:defRPr sz="2520">
                 <a:solidFill>
                   <a:schemeClr val="tx1">
                     <a:tint val="75000"/>
@@ -911,9 +914,9 @@
                 </a:solidFill>
               </a:defRPr>
             </a:lvl4pPr>
-            <a:lvl5pPr marL="1828800" indent="0">
+            <a:lvl5pPr marL="2879725" indent="0">
               <a:buNone/>
-              <a:defRPr sz="1600">
+              <a:defRPr sz="2520">
                 <a:solidFill>
                   <a:schemeClr val="tx1">
                     <a:tint val="75000"/>
@@ -921,9 +924,9 @@
                 </a:solidFill>
               </a:defRPr>
             </a:lvl5pPr>
-            <a:lvl6pPr marL="2286000" indent="0">
+            <a:lvl6pPr marL="3599815" indent="0">
               <a:buNone/>
-              <a:defRPr sz="1600">
+              <a:defRPr sz="2520">
                 <a:solidFill>
                   <a:schemeClr val="tx1">
                     <a:tint val="75000"/>
@@ -931,9 +934,9 @@
                 </a:solidFill>
               </a:defRPr>
             </a:lvl6pPr>
-            <a:lvl7pPr marL="2743200" indent="0">
+            <a:lvl7pPr marL="4319905" indent="0">
               <a:buNone/>
-              <a:defRPr sz="1600">
+              <a:defRPr sz="2520">
                 <a:solidFill>
                   <a:schemeClr val="tx1">
                     <a:tint val="75000"/>
@@ -941,9 +944,9 @@
                 </a:solidFill>
               </a:defRPr>
             </a:lvl7pPr>
-            <a:lvl8pPr marL="3200400" indent="0">
+            <a:lvl8pPr marL="5039995" indent="0">
               <a:buNone/>
-              <a:defRPr sz="1600">
+              <a:defRPr sz="2520">
                 <a:solidFill>
                   <a:schemeClr val="tx1">
                     <a:tint val="75000"/>
@@ -951,9 +954,9 @@
                 </a:solidFill>
               </a:defRPr>
             </a:lvl8pPr>
-            <a:lvl9pPr marL="3657600" indent="0">
+            <a:lvl9pPr marL="5760085" indent="0">
               <a:buNone/>
-              <a:defRPr sz="1600">
+              <a:defRPr sz="2520">
                 <a:solidFill>
                   <a:schemeClr val="tx1">
                     <a:tint val="75000"/>
@@ -1095,8 +1098,8 @@
         </p:nvSpPr>
         <p:spPr>
           <a:xfrm>
-            <a:off x="838200" y="1825625"/>
-            <a:ext cx="5181600" cy="4351338"/>
+            <a:off x="2227549" y="2875147"/>
+            <a:ext cx="13770303" cy="6852852"/>
           </a:xfrm>
         </p:spPr>
         <p:txBody>
@@ -1156,8 +1159,8 @@
         </p:nvSpPr>
         <p:spPr>
           <a:xfrm>
-            <a:off x="6172200" y="1825625"/>
-            <a:ext cx="5181600" cy="4351338"/>
+            <a:off x="16402861" y="2875147"/>
+            <a:ext cx="13770303" cy="6852852"/>
           </a:xfrm>
         </p:spPr>
         <p:txBody>
@@ -1305,8 +1308,8 @@
         </p:nvSpPr>
         <p:spPr>
           <a:xfrm>
-            <a:off x="839788" y="365125"/>
-            <a:ext cx="10515600" cy="1325563"/>
+            <a:off x="2231769" y="575029"/>
+            <a:ext cx="27945615" cy="2087608"/>
           </a:xfrm>
         </p:spPr>
         <p:txBody>
@@ -1333,8 +1336,8 @@
         </p:nvSpPr>
         <p:spPr>
           <a:xfrm>
-            <a:off x="839788" y="1681163"/>
-            <a:ext cx="5157787" cy="823912"/>
+            <a:off x="2231769" y="2647637"/>
+            <a:ext cx="13707019" cy="1297566"/>
           </a:xfrm>
         </p:spPr>
         <p:txBody>
@@ -1342,39 +1345,39 @@
           <a:lstStyle>
             <a:lvl1pPr marL="0" indent="0">
               <a:buNone/>
-              <a:defRPr sz="2400" b="1"/>
+              <a:defRPr sz="3780" b="1"/>
             </a:lvl1pPr>
-            <a:lvl2pPr marL="457200" indent="0">
+            <a:lvl2pPr marL="720090" indent="0">
               <a:buNone/>
-              <a:defRPr sz="2000" b="1"/>
+              <a:defRPr sz="3150" b="1"/>
             </a:lvl2pPr>
-            <a:lvl3pPr marL="914400" indent="0">
+            <a:lvl3pPr marL="1440180" indent="0">
               <a:buNone/>
-              <a:defRPr sz="1800" b="1"/>
+              <a:defRPr sz="2835" b="1"/>
             </a:lvl3pPr>
-            <a:lvl4pPr marL="1371600" indent="0">
+            <a:lvl4pPr marL="2160270" indent="0">
               <a:buNone/>
-              <a:defRPr sz="1600" b="1"/>
+              <a:defRPr sz="2520" b="1"/>
             </a:lvl4pPr>
-            <a:lvl5pPr marL="1828800" indent="0">
+            <a:lvl5pPr marL="2879725" indent="0">
               <a:buNone/>
-              <a:defRPr sz="1600" b="1"/>
+              <a:defRPr sz="2520" b="1"/>
             </a:lvl5pPr>
-            <a:lvl6pPr marL="2286000" indent="0">
+            <a:lvl6pPr marL="3599815" indent="0">
               <a:buNone/>
-              <a:defRPr sz="1600" b="1"/>
+              <a:defRPr sz="2520" b="1"/>
             </a:lvl6pPr>
-            <a:lvl7pPr marL="2743200" indent="0">
+            <a:lvl7pPr marL="4319905" indent="0">
               <a:buNone/>
-              <a:defRPr sz="1600" b="1"/>
+              <a:defRPr sz="2520" b="1"/>
             </a:lvl7pPr>
-            <a:lvl8pPr marL="3200400" indent="0">
+            <a:lvl8pPr marL="5039995" indent="0">
               <a:buNone/>
-              <a:defRPr sz="1600" b="1"/>
+              <a:defRPr sz="2520" b="1"/>
             </a:lvl8pPr>
-            <a:lvl9pPr marL="3657600" indent="0">
+            <a:lvl9pPr marL="5760085" indent="0">
               <a:buNone/>
-              <a:defRPr sz="1600" b="1"/>
+              <a:defRPr sz="2520" b="1"/>
             </a:lvl9pPr>
           </a:lstStyle>
           <a:p>
@@ -1399,8 +1402,8 @@
         </p:nvSpPr>
         <p:spPr>
           <a:xfrm>
-            <a:off x="839788" y="2505075"/>
-            <a:ext cx="5157787" cy="3684588"/>
+            <a:off x="2231769" y="3945202"/>
+            <a:ext cx="13707019" cy="5802798"/>
           </a:xfrm>
         </p:spPr>
         <p:txBody>
@@ -1460,8 +1463,8 @@
         </p:nvSpPr>
         <p:spPr>
           <a:xfrm>
-            <a:off x="6172200" y="1681163"/>
-            <a:ext cx="5183188" cy="823912"/>
+            <a:off x="16402861" y="2647637"/>
+            <a:ext cx="13774523" cy="1297566"/>
           </a:xfrm>
         </p:spPr>
         <p:txBody>
@@ -1469,39 +1472,39 @@
           <a:lstStyle>
             <a:lvl1pPr marL="0" indent="0">
               <a:buNone/>
-              <a:defRPr sz="2400" b="1"/>
+              <a:defRPr sz="3780" b="1"/>
             </a:lvl1pPr>
-            <a:lvl2pPr marL="457200" indent="0">
+            <a:lvl2pPr marL="720090" indent="0">
               <a:buNone/>
-              <a:defRPr sz="2000" b="1"/>
+              <a:defRPr sz="3150" b="1"/>
             </a:lvl2pPr>
-            <a:lvl3pPr marL="914400" indent="0">
+            <a:lvl3pPr marL="1440180" indent="0">
               <a:buNone/>
-              <a:defRPr sz="1800" b="1"/>
+              <a:defRPr sz="2835" b="1"/>
             </a:lvl3pPr>
-            <a:lvl4pPr marL="1371600" indent="0">
+            <a:lvl4pPr marL="2160270" indent="0">
               <a:buNone/>
-              <a:defRPr sz="1600" b="1"/>
+              <a:defRPr sz="2520" b="1"/>
             </a:lvl4pPr>
-            <a:lvl5pPr marL="1828800" indent="0">
+            <a:lvl5pPr marL="2879725" indent="0">
               <a:buNone/>
-              <a:defRPr sz="1600" b="1"/>
+              <a:defRPr sz="2520" b="1"/>
             </a:lvl5pPr>
-            <a:lvl6pPr marL="2286000" indent="0">
+            <a:lvl6pPr marL="3599815" indent="0">
               <a:buNone/>
-              <a:defRPr sz="1600" b="1"/>
+              <a:defRPr sz="2520" b="1"/>
             </a:lvl6pPr>
-            <a:lvl7pPr marL="2743200" indent="0">
+            <a:lvl7pPr marL="4319905" indent="0">
               <a:buNone/>
-              <a:defRPr sz="1600" b="1"/>
+              <a:defRPr sz="2520" b="1"/>
             </a:lvl7pPr>
-            <a:lvl8pPr marL="3200400" indent="0">
+            <a:lvl8pPr marL="5039995" indent="0">
               <a:buNone/>
-              <a:defRPr sz="1600" b="1"/>
+              <a:defRPr sz="2520" b="1"/>
             </a:lvl8pPr>
-            <a:lvl9pPr marL="3657600" indent="0">
+            <a:lvl9pPr marL="5760085" indent="0">
               <a:buNone/>
-              <a:defRPr sz="1600" b="1"/>
+              <a:defRPr sz="2520" b="1"/>
             </a:lvl9pPr>
           </a:lstStyle>
           <a:p>
@@ -1526,8 +1529,8 @@
         </p:nvSpPr>
         <p:spPr>
           <a:xfrm>
-            <a:off x="6172200" y="2505075"/>
-            <a:ext cx="5183188" cy="3684588"/>
+            <a:off x="16402861" y="3945202"/>
+            <a:ext cx="13774523" cy="5802798"/>
           </a:xfrm>
         </p:spPr>
         <p:txBody>
@@ -1874,15 +1877,15 @@
         </p:nvSpPr>
         <p:spPr>
           <a:xfrm>
-            <a:off x="839788" y="457200"/>
-            <a:ext cx="3932237" cy="1600200"/>
+            <a:off x="2231769" y="720037"/>
+            <a:ext cx="10450072" cy="2520129"/>
           </a:xfrm>
         </p:spPr>
         <p:txBody>
           <a:bodyPr anchor="b"/>
           <a:lstStyle>
             <a:lvl1pPr>
-              <a:defRPr sz="3200"/>
+              <a:defRPr sz="5040"/>
             </a:lvl1pPr>
           </a:lstStyle>
           <a:p>
@@ -1906,39 +1909,39 @@
         </p:nvSpPr>
         <p:spPr>
           <a:xfrm>
-            <a:off x="5183188" y="987425"/>
-            <a:ext cx="6172200" cy="4873625"/>
+            <a:off x="13774523" y="1555080"/>
+            <a:ext cx="16402861" cy="7675394"/>
           </a:xfrm>
         </p:spPr>
         <p:txBody>
           <a:bodyPr/>
           <a:lstStyle>
             <a:lvl1pPr>
-              <a:defRPr sz="3200"/>
+              <a:defRPr sz="5040"/>
             </a:lvl1pPr>
             <a:lvl2pPr>
-              <a:defRPr sz="2800"/>
+              <a:defRPr sz="4410"/>
             </a:lvl2pPr>
             <a:lvl3pPr>
-              <a:defRPr sz="2400"/>
+              <a:defRPr sz="3780"/>
             </a:lvl3pPr>
             <a:lvl4pPr>
-              <a:defRPr sz="2000"/>
+              <a:defRPr sz="3150"/>
             </a:lvl4pPr>
             <a:lvl5pPr>
-              <a:defRPr sz="2000"/>
+              <a:defRPr sz="3150"/>
             </a:lvl5pPr>
             <a:lvl6pPr>
-              <a:defRPr sz="2000"/>
+              <a:defRPr sz="3150"/>
             </a:lvl6pPr>
             <a:lvl7pPr>
-              <a:defRPr sz="2000"/>
+              <a:defRPr sz="3150"/>
             </a:lvl7pPr>
             <a:lvl8pPr>
-              <a:defRPr sz="2000"/>
+              <a:defRPr sz="3150"/>
             </a:lvl8pPr>
             <a:lvl9pPr>
-              <a:defRPr sz="2000"/>
+              <a:defRPr sz="3150"/>
             </a:lvl9pPr>
           </a:lstStyle>
           <a:p>
@@ -1995,8 +1998,8 @@
         </p:nvSpPr>
         <p:spPr>
           <a:xfrm>
-            <a:off x="839788" y="2057400"/>
-            <a:ext cx="3932237" cy="3811588"/>
+            <a:off x="2231769" y="3240166"/>
+            <a:ext cx="10450072" cy="6002809"/>
           </a:xfrm>
         </p:spPr>
         <p:txBody>
@@ -2004,39 +2007,39 @@
           <a:lstStyle>
             <a:lvl1pPr marL="0" indent="0">
               <a:buNone/>
-              <a:defRPr sz="1600"/>
+              <a:defRPr sz="2520"/>
             </a:lvl1pPr>
-            <a:lvl2pPr marL="457200" indent="0">
+            <a:lvl2pPr marL="720090" indent="0">
               <a:buNone/>
-              <a:defRPr sz="1400"/>
+              <a:defRPr sz="2205"/>
             </a:lvl2pPr>
-            <a:lvl3pPr marL="914400" indent="0">
+            <a:lvl3pPr marL="1440180" indent="0">
               <a:buNone/>
-              <a:defRPr sz="1200"/>
+              <a:defRPr sz="1890"/>
             </a:lvl3pPr>
-            <a:lvl4pPr marL="1371600" indent="0">
+            <a:lvl4pPr marL="2160270" indent="0">
               <a:buNone/>
-              <a:defRPr sz="1000"/>
+              <a:defRPr sz="1575"/>
             </a:lvl4pPr>
-            <a:lvl5pPr marL="1828800" indent="0">
+            <a:lvl5pPr marL="2879725" indent="0">
               <a:buNone/>
-              <a:defRPr sz="1000"/>
+              <a:defRPr sz="1575"/>
             </a:lvl5pPr>
-            <a:lvl6pPr marL="2286000" indent="0">
+            <a:lvl6pPr marL="3599815" indent="0">
               <a:buNone/>
-              <a:defRPr sz="1000"/>
+              <a:defRPr sz="1575"/>
             </a:lvl6pPr>
-            <a:lvl7pPr marL="2743200" indent="0">
+            <a:lvl7pPr marL="4319905" indent="0">
               <a:buNone/>
-              <a:defRPr sz="1000"/>
+              <a:defRPr sz="1575"/>
             </a:lvl7pPr>
-            <a:lvl8pPr marL="3200400" indent="0">
+            <a:lvl8pPr marL="5039995" indent="0">
               <a:buNone/>
-              <a:defRPr sz="1000"/>
+              <a:defRPr sz="1575"/>
             </a:lvl8pPr>
-            <a:lvl9pPr marL="3657600" indent="0">
+            <a:lvl9pPr marL="5760085" indent="0">
               <a:buNone/>
-              <a:defRPr sz="1000"/>
+              <a:defRPr sz="1575"/>
             </a:lvl9pPr>
           </a:lstStyle>
           <a:p>
@@ -2149,15 +2152,15 @@
         </p:nvSpPr>
         <p:spPr>
           <a:xfrm>
-            <a:off x="839788" y="457200"/>
-            <a:ext cx="3932237" cy="1600200"/>
+            <a:off x="2231769" y="720037"/>
+            <a:ext cx="10450072" cy="2520129"/>
           </a:xfrm>
         </p:spPr>
         <p:txBody>
           <a:bodyPr anchor="b"/>
           <a:lstStyle>
             <a:lvl1pPr>
-              <a:defRPr sz="3200"/>
+              <a:defRPr sz="5040"/>
             </a:lvl1pPr>
           </a:lstStyle>
           <a:p>
@@ -2181,8 +2184,8 @@
         </p:nvSpPr>
         <p:spPr>
           <a:xfrm>
-            <a:off x="5183188" y="987425"/>
-            <a:ext cx="6172200" cy="4873625"/>
+            <a:off x="13774523" y="1555080"/>
+            <a:ext cx="16402861" cy="7675394"/>
           </a:xfrm>
         </p:spPr>
         <p:txBody>
@@ -2190,39 +2193,39 @@
           <a:lstStyle>
             <a:lvl1pPr marL="0" indent="0">
               <a:buNone/>
-              <a:defRPr sz="3200"/>
+              <a:defRPr sz="5040"/>
             </a:lvl1pPr>
-            <a:lvl2pPr marL="457200" indent="0">
+            <a:lvl2pPr marL="720090" indent="0">
               <a:buNone/>
-              <a:defRPr sz="2800"/>
+              <a:defRPr sz="4410"/>
             </a:lvl2pPr>
-            <a:lvl3pPr marL="914400" indent="0">
+            <a:lvl3pPr marL="1440180" indent="0">
               <a:buNone/>
-              <a:defRPr sz="2400"/>
+              <a:defRPr sz="3780"/>
             </a:lvl3pPr>
-            <a:lvl4pPr marL="1371600" indent="0">
+            <a:lvl4pPr marL="2160270" indent="0">
               <a:buNone/>
-              <a:defRPr sz="2000"/>
+              <a:defRPr sz="3150"/>
             </a:lvl4pPr>
-            <a:lvl5pPr marL="1828800" indent="0">
+            <a:lvl5pPr marL="2879725" indent="0">
               <a:buNone/>
-              <a:defRPr sz="2000"/>
+              <a:defRPr sz="3150"/>
             </a:lvl5pPr>
-            <a:lvl6pPr marL="2286000" indent="0">
+            <a:lvl6pPr marL="3599815" indent="0">
               <a:buNone/>
-              <a:defRPr sz="2000"/>
+              <a:defRPr sz="3150"/>
             </a:lvl6pPr>
-            <a:lvl7pPr marL="2743200" indent="0">
+            <a:lvl7pPr marL="4319905" indent="0">
               <a:buNone/>
-              <a:defRPr sz="2000"/>
+              <a:defRPr sz="3150"/>
             </a:lvl7pPr>
-            <a:lvl8pPr marL="3200400" indent="0">
+            <a:lvl8pPr marL="5039995" indent="0">
               <a:buNone/>
-              <a:defRPr sz="2000"/>
+              <a:defRPr sz="3150"/>
             </a:lvl8pPr>
-            <a:lvl9pPr marL="3657600" indent="0">
+            <a:lvl9pPr marL="5760085" indent="0">
               <a:buNone/>
-              <a:defRPr sz="2000"/>
+              <a:defRPr sz="3150"/>
             </a:lvl9pPr>
           </a:lstStyle>
           <a:p>
@@ -2242,8 +2245,8 @@
         </p:nvSpPr>
         <p:spPr>
           <a:xfrm>
-            <a:off x="839788" y="2057400"/>
-            <a:ext cx="3932237" cy="3811588"/>
+            <a:off x="2231769" y="3240166"/>
+            <a:ext cx="10450072" cy="6002809"/>
           </a:xfrm>
         </p:spPr>
         <p:txBody>
@@ -2251,39 +2254,39 @@
           <a:lstStyle>
             <a:lvl1pPr marL="0" indent="0">
               <a:buNone/>
-              <a:defRPr sz="1600"/>
+              <a:defRPr sz="2520"/>
             </a:lvl1pPr>
-            <a:lvl2pPr marL="457200" indent="0">
+            <a:lvl2pPr marL="720090" indent="0">
               <a:buNone/>
-              <a:defRPr sz="1400"/>
+              <a:defRPr sz="2205"/>
             </a:lvl2pPr>
-            <a:lvl3pPr marL="914400" indent="0">
+            <a:lvl3pPr marL="1440180" indent="0">
               <a:buNone/>
-              <a:defRPr sz="1200"/>
+              <a:defRPr sz="1890"/>
             </a:lvl3pPr>
-            <a:lvl4pPr marL="1371600" indent="0">
+            <a:lvl4pPr marL="2160270" indent="0">
               <a:buNone/>
-              <a:defRPr sz="1000"/>
+              <a:defRPr sz="1575"/>
             </a:lvl4pPr>
-            <a:lvl5pPr marL="1828800" indent="0">
+            <a:lvl5pPr marL="2879725" indent="0">
               <a:buNone/>
-              <a:defRPr sz="1000"/>
+              <a:defRPr sz="1575"/>
             </a:lvl5pPr>
-            <a:lvl6pPr marL="2286000" indent="0">
+            <a:lvl6pPr marL="3599815" indent="0">
               <a:buNone/>
-              <a:defRPr sz="1000"/>
+              <a:defRPr sz="1575"/>
             </a:lvl6pPr>
-            <a:lvl7pPr marL="2743200" indent="0">
+            <a:lvl7pPr marL="4319905" indent="0">
               <a:buNone/>
-              <a:defRPr sz="1000"/>
+              <a:defRPr sz="1575"/>
             </a:lvl7pPr>
-            <a:lvl8pPr marL="3200400" indent="0">
+            <a:lvl8pPr marL="5039995" indent="0">
               <a:buNone/>
-              <a:defRPr sz="1000"/>
+              <a:defRPr sz="1575"/>
             </a:lvl8pPr>
-            <a:lvl9pPr marL="3657600" indent="0">
+            <a:lvl9pPr marL="5760085" indent="0">
               <a:buNone/>
-              <a:defRPr sz="1000"/>
+              <a:defRPr sz="1575"/>
             </a:lvl9pPr>
           </a:lstStyle>
           <a:p>
@@ -2401,8 +2404,8 @@
         </p:nvSpPr>
         <p:spPr>
           <a:xfrm>
-            <a:off x="838200" y="365125"/>
-            <a:ext cx="10515600" cy="1325563"/>
+            <a:off x="2227549" y="575029"/>
+            <a:ext cx="27945615" cy="2087608"/>
           </a:xfrm>
           <a:prstGeom prst="rect">
             <a:avLst/>
@@ -2434,8 +2437,8 @@
         </p:nvSpPr>
         <p:spPr>
           <a:xfrm>
-            <a:off x="838200" y="1825625"/>
-            <a:ext cx="10515600" cy="4351338"/>
+            <a:off x="2227549" y="2875147"/>
+            <a:ext cx="27945615" cy="6852852"/>
           </a:xfrm>
           <a:prstGeom prst="rect">
             <a:avLst/>
@@ -2500,8 +2503,8 @@
         </p:nvSpPr>
         <p:spPr>
           <a:xfrm>
-            <a:off x="838200" y="6356350"/>
-            <a:ext cx="2743200" cy="365125"/>
+            <a:off x="2227549" y="10010513"/>
+            <a:ext cx="7290160" cy="575029"/>
           </a:xfrm>
           <a:prstGeom prst="rect">
             <a:avLst/>
@@ -2511,7 +2514,7 @@
           <a:bodyPr vert="horz" lIns="91440" tIns="45720" rIns="91440" bIns="45720" rtlCol="0" anchor="ctr"/>
           <a:lstStyle>
             <a:lvl1pPr algn="l">
-              <a:defRPr sz="1200">
+              <a:defRPr sz="1890">
                 <a:solidFill>
                   <a:schemeClr val="tx1">
                     <a:tint val="75000"/>
@@ -2540,8 +2543,8 @@
         </p:nvSpPr>
         <p:spPr>
           <a:xfrm>
-            <a:off x="4038600" y="6356350"/>
-            <a:ext cx="4114800" cy="365125"/>
+            <a:off x="10732736" y="10010513"/>
+            <a:ext cx="10935240" cy="575029"/>
           </a:xfrm>
           <a:prstGeom prst="rect">
             <a:avLst/>
@@ -2551,7 +2554,7 @@
           <a:bodyPr vert="horz" lIns="91440" tIns="45720" rIns="91440" bIns="45720" rtlCol="0" anchor="ctr"/>
           <a:lstStyle>
             <a:lvl1pPr algn="ctr">
-              <a:defRPr sz="1200">
+              <a:defRPr sz="1890">
                 <a:solidFill>
                   <a:schemeClr val="tx1">
                     <a:tint val="75000"/>
@@ -2577,8 +2580,8 @@
         </p:nvSpPr>
         <p:spPr>
           <a:xfrm>
-            <a:off x="8610600" y="6356350"/>
-            <a:ext cx="2743200" cy="365125"/>
+            <a:off x="22883003" y="10010513"/>
+            <a:ext cx="7290160" cy="575029"/>
           </a:xfrm>
           <a:prstGeom prst="rect">
             <a:avLst/>
@@ -2588,7 +2591,7 @@
           <a:bodyPr vert="horz" lIns="91440" tIns="45720" rIns="91440" bIns="45720" rtlCol="0" anchor="ctr"/>
           <a:lstStyle>
             <a:lvl1pPr algn="r">
-              <a:defRPr sz="1200">
+              <a:defRPr sz="1890">
                 <a:solidFill>
                   <a:schemeClr val="tx1">
                     <a:tint val="75000"/>
@@ -2623,7 +2626,7 @@
   </p:sldLayoutIdLst>
   <p:txStyles>
     <p:titleStyle>
-      <a:lvl1pPr algn="l" defTabSz="914400" rtl="0" eaLnBrk="1" latinLnBrk="0" hangingPunct="1">
+      <a:lvl1pPr algn="l" defTabSz="1440180" rtl="0" eaLnBrk="1" latinLnBrk="0" hangingPunct="1">
         <a:lnSpc>
           <a:spcPct val="90000"/>
         </a:lnSpc>
@@ -2631,7 +2634,7 @@
           <a:spcPct val="0"/>
         </a:spcBef>
         <a:buNone/>
-        <a:defRPr sz="4400" kern="1200">
+        <a:defRPr sz="6930" kern="1200">
           <a:solidFill>
             <a:schemeClr val="tx1"/>
           </a:solidFill>
@@ -2642,16 +2645,16 @@
       </a:lvl1pPr>
     </p:titleStyle>
     <p:bodyStyle>
-      <a:lvl1pPr marL="228600" indent="-228600" algn="l" defTabSz="914400" rtl="0" eaLnBrk="1" latinLnBrk="0" hangingPunct="1">
+      <a:lvl1pPr marL="360045" indent="-360045" algn="l" defTabSz="1440180" rtl="0" eaLnBrk="1" latinLnBrk="0" hangingPunct="1">
         <a:lnSpc>
           <a:spcPct val="90000"/>
         </a:lnSpc>
         <a:spcBef>
-          <a:spcPts val="1000"/>
+          <a:spcPts val="1575"/>
         </a:spcBef>
         <a:buFont typeface="Arial" panose="020B0604020202020204" pitchFamily="34" charset="0"/>
         <a:buChar char="•"/>
-        <a:defRPr sz="2800" kern="1200">
+        <a:defRPr sz="4410" kern="1200">
           <a:solidFill>
             <a:schemeClr val="tx1"/>
           </a:solidFill>
@@ -2660,16 +2663,16 @@
           <a:cs typeface="+mn-cs"/>
         </a:defRPr>
       </a:lvl1pPr>
-      <a:lvl2pPr marL="685800" indent="-228600" algn="l" defTabSz="914400" rtl="0" eaLnBrk="1" latinLnBrk="0" hangingPunct="1">
+      <a:lvl2pPr marL="1080135" indent="-360045" algn="l" defTabSz="1440180" rtl="0" eaLnBrk="1" latinLnBrk="0" hangingPunct="1">
         <a:lnSpc>
           <a:spcPct val="90000"/>
         </a:lnSpc>
         <a:spcBef>
-          <a:spcPts val="500"/>
+          <a:spcPct val="158000"/>
         </a:spcBef>
         <a:buFont typeface="Arial" panose="020B0604020202020204" pitchFamily="34" charset="0"/>
         <a:buChar char="•"/>
-        <a:defRPr sz="2400" kern="1200">
+        <a:defRPr sz="3780" kern="1200">
           <a:solidFill>
             <a:schemeClr val="tx1"/>
           </a:solidFill>
@@ -2678,16 +2681,16 @@
           <a:cs typeface="+mn-cs"/>
         </a:defRPr>
       </a:lvl2pPr>
-      <a:lvl3pPr marL="1143000" indent="-228600" algn="l" defTabSz="914400" rtl="0" eaLnBrk="1" latinLnBrk="0" hangingPunct="1">
+      <a:lvl3pPr marL="1800225" indent="-360045" algn="l" defTabSz="1440180" rtl="0" eaLnBrk="1" latinLnBrk="0" hangingPunct="1">
         <a:lnSpc>
           <a:spcPct val="90000"/>
         </a:lnSpc>
         <a:spcBef>
-          <a:spcPts val="500"/>
+          <a:spcPct val="158000"/>
         </a:spcBef>
         <a:buFont typeface="Arial" panose="020B0604020202020204" pitchFamily="34" charset="0"/>
         <a:buChar char="•"/>
-        <a:defRPr sz="2000" kern="1200">
+        <a:defRPr sz="3150" kern="1200">
           <a:solidFill>
             <a:schemeClr val="tx1"/>
           </a:solidFill>
@@ -2696,16 +2699,16 @@
           <a:cs typeface="+mn-cs"/>
         </a:defRPr>
       </a:lvl3pPr>
-      <a:lvl4pPr marL="1600200" indent="-228600" algn="l" defTabSz="914400" rtl="0" eaLnBrk="1" latinLnBrk="0" hangingPunct="1">
+      <a:lvl4pPr marL="2520315" indent="-360045" algn="l" defTabSz="1440180" rtl="0" eaLnBrk="1" latinLnBrk="0" hangingPunct="1">
         <a:lnSpc>
           <a:spcPct val="90000"/>
         </a:lnSpc>
         <a:spcBef>
-          <a:spcPts val="500"/>
+          <a:spcPct val="158000"/>
         </a:spcBef>
         <a:buFont typeface="Arial" panose="020B0604020202020204" pitchFamily="34" charset="0"/>
         <a:buChar char="•"/>
-        <a:defRPr sz="1800" kern="1200">
+        <a:defRPr sz="2835" kern="1200">
           <a:solidFill>
             <a:schemeClr val="tx1"/>
           </a:solidFill>
@@ -2714,16 +2717,16 @@
           <a:cs typeface="+mn-cs"/>
         </a:defRPr>
       </a:lvl4pPr>
-      <a:lvl5pPr marL="2057400" indent="-228600" algn="l" defTabSz="914400" rtl="0" eaLnBrk="1" latinLnBrk="0" hangingPunct="1">
+      <a:lvl5pPr marL="3239770" indent="-360045" algn="l" defTabSz="1440180" rtl="0" eaLnBrk="1" latinLnBrk="0" hangingPunct="1">
         <a:lnSpc>
           <a:spcPct val="90000"/>
         </a:lnSpc>
         <a:spcBef>
-          <a:spcPts val="500"/>
+          <a:spcPct val="158000"/>
         </a:spcBef>
         <a:buFont typeface="Arial" panose="020B0604020202020204" pitchFamily="34" charset="0"/>
         <a:buChar char="•"/>
-        <a:defRPr sz="1800" kern="1200">
+        <a:defRPr sz="2835" kern="1200">
           <a:solidFill>
             <a:schemeClr val="tx1"/>
           </a:solidFill>
@@ -2732,16 +2735,16 @@
           <a:cs typeface="+mn-cs"/>
         </a:defRPr>
       </a:lvl5pPr>
-      <a:lvl6pPr marL="2514600" indent="-228600" algn="l" defTabSz="914400" rtl="0" eaLnBrk="1" latinLnBrk="0" hangingPunct="1">
+      <a:lvl6pPr marL="3959860" indent="-360045" algn="l" defTabSz="1440180" rtl="0" eaLnBrk="1" latinLnBrk="0" hangingPunct="1">
         <a:lnSpc>
           <a:spcPct val="90000"/>
         </a:lnSpc>
         <a:spcBef>
-          <a:spcPts val="500"/>
+          <a:spcPct val="158000"/>
         </a:spcBef>
         <a:buFont typeface="Arial" panose="020B0604020202020204" pitchFamily="34" charset="0"/>
         <a:buChar char="•"/>
-        <a:defRPr sz="1800" kern="1200">
+        <a:defRPr sz="2835" kern="1200">
           <a:solidFill>
             <a:schemeClr val="tx1"/>
           </a:solidFill>
@@ -2750,16 +2753,16 @@
           <a:cs typeface="+mn-cs"/>
         </a:defRPr>
       </a:lvl6pPr>
-      <a:lvl7pPr marL="2971800" indent="-228600" algn="l" defTabSz="914400" rtl="0" eaLnBrk="1" latinLnBrk="0" hangingPunct="1">
+      <a:lvl7pPr marL="4679950" indent="-360045" algn="l" defTabSz="1440180" rtl="0" eaLnBrk="1" latinLnBrk="0" hangingPunct="1">
         <a:lnSpc>
           <a:spcPct val="90000"/>
         </a:lnSpc>
         <a:spcBef>
-          <a:spcPts val="500"/>
+          <a:spcPct val="158000"/>
         </a:spcBef>
         <a:buFont typeface="Arial" panose="020B0604020202020204" pitchFamily="34" charset="0"/>
         <a:buChar char="•"/>
-        <a:defRPr sz="1800" kern="1200">
+        <a:defRPr sz="2835" kern="1200">
           <a:solidFill>
             <a:schemeClr val="tx1"/>
           </a:solidFill>
@@ -2768,16 +2771,16 @@
           <a:cs typeface="+mn-cs"/>
         </a:defRPr>
       </a:lvl7pPr>
-      <a:lvl8pPr marL="3429000" indent="-228600" algn="l" defTabSz="914400" rtl="0" eaLnBrk="1" latinLnBrk="0" hangingPunct="1">
+      <a:lvl8pPr marL="5400040" indent="-360045" algn="l" defTabSz="1440180" rtl="0" eaLnBrk="1" latinLnBrk="0" hangingPunct="1">
         <a:lnSpc>
           <a:spcPct val="90000"/>
         </a:lnSpc>
         <a:spcBef>
-          <a:spcPts val="500"/>
+          <a:spcPct val="158000"/>
         </a:spcBef>
         <a:buFont typeface="Arial" panose="020B0604020202020204" pitchFamily="34" charset="0"/>
         <a:buChar char="•"/>
-        <a:defRPr sz="1800" kern="1200">
+        <a:defRPr sz="2835" kern="1200">
           <a:solidFill>
             <a:schemeClr val="tx1"/>
           </a:solidFill>
@@ -2786,16 +2789,16 @@
           <a:cs typeface="+mn-cs"/>
         </a:defRPr>
       </a:lvl8pPr>
-      <a:lvl9pPr marL="3886200" indent="-228600" algn="l" defTabSz="914400" rtl="0" eaLnBrk="1" latinLnBrk="0" hangingPunct="1">
+      <a:lvl9pPr marL="6120130" indent="-360045" algn="l" defTabSz="1440180" rtl="0" eaLnBrk="1" latinLnBrk="0" hangingPunct="1">
         <a:lnSpc>
           <a:spcPct val="90000"/>
         </a:lnSpc>
         <a:spcBef>
-          <a:spcPts val="500"/>
+          <a:spcPct val="158000"/>
         </a:spcBef>
         <a:buFont typeface="Arial" panose="020B0604020202020204" pitchFamily="34" charset="0"/>
         <a:buChar char="•"/>
-        <a:defRPr sz="1800" kern="1200">
+        <a:defRPr sz="2835" kern="1200">
           <a:solidFill>
             <a:schemeClr val="tx1"/>
           </a:solidFill>
@@ -2809,8 +2812,8 @@
       <a:defPPr>
         <a:defRPr lang="en-US"/>
       </a:defPPr>
-      <a:lvl1pPr marL="0" algn="l" defTabSz="914400" rtl="0" eaLnBrk="1" latinLnBrk="0" hangingPunct="1">
-        <a:defRPr sz="1800" kern="1200">
+      <a:lvl1pPr marL="0" algn="l" defTabSz="1440180" rtl="0" eaLnBrk="1" latinLnBrk="0" hangingPunct="1">
+        <a:defRPr sz="2835" kern="1200">
           <a:solidFill>
             <a:schemeClr val="tx1"/>
           </a:solidFill>
@@ -2819,8 +2822,8 @@
           <a:cs typeface="+mn-cs"/>
         </a:defRPr>
       </a:lvl1pPr>
-      <a:lvl2pPr marL="457200" algn="l" defTabSz="914400" rtl="0" eaLnBrk="1" latinLnBrk="0" hangingPunct="1">
-        <a:defRPr sz="1800" kern="1200">
+      <a:lvl2pPr marL="720090" algn="l" defTabSz="1440180" rtl="0" eaLnBrk="1" latinLnBrk="0" hangingPunct="1">
+        <a:defRPr sz="2835" kern="1200">
           <a:solidFill>
             <a:schemeClr val="tx1"/>
           </a:solidFill>
@@ -2829,8 +2832,8 @@
           <a:cs typeface="+mn-cs"/>
         </a:defRPr>
       </a:lvl2pPr>
-      <a:lvl3pPr marL="914400" algn="l" defTabSz="914400" rtl="0" eaLnBrk="1" latinLnBrk="0" hangingPunct="1">
-        <a:defRPr sz="1800" kern="1200">
+      <a:lvl3pPr marL="1440180" algn="l" defTabSz="1440180" rtl="0" eaLnBrk="1" latinLnBrk="0" hangingPunct="1">
+        <a:defRPr sz="2835" kern="1200">
           <a:solidFill>
             <a:schemeClr val="tx1"/>
           </a:solidFill>
@@ -2839,8 +2842,8 @@
           <a:cs typeface="+mn-cs"/>
         </a:defRPr>
       </a:lvl3pPr>
-      <a:lvl4pPr marL="1371600" algn="l" defTabSz="914400" rtl="0" eaLnBrk="1" latinLnBrk="0" hangingPunct="1">
-        <a:defRPr sz="1800" kern="1200">
+      <a:lvl4pPr marL="2160270" algn="l" defTabSz="1440180" rtl="0" eaLnBrk="1" latinLnBrk="0" hangingPunct="1">
+        <a:defRPr sz="2835" kern="1200">
           <a:solidFill>
             <a:schemeClr val="tx1"/>
           </a:solidFill>
@@ -2849,8 +2852,8 @@
           <a:cs typeface="+mn-cs"/>
         </a:defRPr>
       </a:lvl4pPr>
-      <a:lvl5pPr marL="1828800" algn="l" defTabSz="914400" rtl="0" eaLnBrk="1" latinLnBrk="0" hangingPunct="1">
-        <a:defRPr sz="1800" kern="1200">
+      <a:lvl5pPr marL="2879725" algn="l" defTabSz="1440180" rtl="0" eaLnBrk="1" latinLnBrk="0" hangingPunct="1">
+        <a:defRPr sz="2835" kern="1200">
           <a:solidFill>
             <a:schemeClr val="tx1"/>
           </a:solidFill>
@@ -2859,8 +2862,8 @@
           <a:cs typeface="+mn-cs"/>
         </a:defRPr>
       </a:lvl5pPr>
-      <a:lvl6pPr marL="2286000" algn="l" defTabSz="914400" rtl="0" eaLnBrk="1" latinLnBrk="0" hangingPunct="1">
-        <a:defRPr sz="1800" kern="1200">
+      <a:lvl6pPr marL="3599815" algn="l" defTabSz="1440180" rtl="0" eaLnBrk="1" latinLnBrk="0" hangingPunct="1">
+        <a:defRPr sz="2835" kern="1200">
           <a:solidFill>
             <a:schemeClr val="tx1"/>
           </a:solidFill>
@@ -2869,8 +2872,8 @@
           <a:cs typeface="+mn-cs"/>
         </a:defRPr>
       </a:lvl6pPr>
-      <a:lvl7pPr marL="2743200" algn="l" defTabSz="914400" rtl="0" eaLnBrk="1" latinLnBrk="0" hangingPunct="1">
-        <a:defRPr sz="1800" kern="1200">
+      <a:lvl7pPr marL="4319905" algn="l" defTabSz="1440180" rtl="0" eaLnBrk="1" latinLnBrk="0" hangingPunct="1">
+        <a:defRPr sz="2835" kern="1200">
           <a:solidFill>
             <a:schemeClr val="tx1"/>
           </a:solidFill>
@@ -2879,8 +2882,8 @@
           <a:cs typeface="+mn-cs"/>
         </a:defRPr>
       </a:lvl7pPr>
-      <a:lvl8pPr marL="3200400" algn="l" defTabSz="914400" rtl="0" eaLnBrk="1" latinLnBrk="0" hangingPunct="1">
-        <a:defRPr sz="1800" kern="1200">
+      <a:lvl8pPr marL="5039995" algn="l" defTabSz="1440180" rtl="0" eaLnBrk="1" latinLnBrk="0" hangingPunct="1">
+        <a:defRPr sz="2835" kern="1200">
           <a:solidFill>
             <a:schemeClr val="tx1"/>
           </a:solidFill>
@@ -2889,8 +2892,8 @@
           <a:cs typeface="+mn-cs"/>
         </a:defRPr>
       </a:lvl8pPr>
-      <a:lvl9pPr marL="3657600" algn="l" defTabSz="914400" rtl="0" eaLnBrk="1" latinLnBrk="0" hangingPunct="1">
-        <a:defRPr sz="1800" kern="1200">
+      <a:lvl9pPr marL="5760085" algn="l" defTabSz="1440180" rtl="0" eaLnBrk="1" latinLnBrk="0" hangingPunct="1">
+        <a:defRPr sz="2835" kern="1200">
           <a:solidFill>
             <a:schemeClr val="tx1"/>
           </a:solidFill>
@@ -2929,8 +2932,8 @@
         </p:nvSpPr>
         <p:spPr>
           <a:xfrm>
-            <a:off x="729615" y="1610360"/>
-            <a:ext cx="1142365" cy="628015"/>
+            <a:off x="3807994" y="2537400"/>
+            <a:ext cx="1799092" cy="989051"/>
           </a:xfrm>
           <a:prstGeom prst="rect">
             <a:avLst/>
@@ -2966,10 +2969,18 @@
           <a:p>
             <a:pPr algn="ctr"/>
             <a:r>
-              <a:rPr lang="en-US"/>
-              <a:t>Dataset</a:t>
-            </a:r>
-            <a:endParaRPr lang="en-US"/>
+              <a:rPr lang="en-US" sz="2835"/>
+              <a:t>Original</a:t>
+            </a:r>
+            <a:endParaRPr lang="en-US" sz="2835"/>
+          </a:p>
+          <a:p>
+            <a:pPr algn="ctr"/>
+            <a:r>
+              <a:rPr lang="en-US" sz="2835"/>
+              <a:t>Pages</a:t>
+            </a:r>
+            <a:endParaRPr lang="en-US" sz="2835"/>
           </a:p>
         </p:txBody>
       </p:sp>
@@ -2981,8 +2992,68 @@
         </p:nvSpPr>
         <p:spPr>
           <a:xfrm>
-            <a:off x="729615" y="4585335"/>
-            <a:ext cx="1142365" cy="628015"/>
+            <a:off x="3807994" y="7222640"/>
+            <a:ext cx="1799092" cy="989051"/>
+          </a:xfrm>
+          <a:prstGeom prst="rect">
+            <a:avLst/>
+          </a:prstGeom>
+          <a:solidFill>
+            <a:schemeClr val="tx2">
+              <a:lumMod val="60000"/>
+              <a:lumOff val="40000"/>
+            </a:schemeClr>
+          </a:solidFill>
+          <a:ln>
+            <a:noFill/>
+          </a:ln>
+        </p:spPr>
+        <p:style>
+          <a:lnRef idx="2">
+            <a:schemeClr val="accent1">
+              <a:lumMod val="75000"/>
+            </a:schemeClr>
+          </a:lnRef>
+          <a:fillRef idx="1">
+            <a:schemeClr val="accent1"/>
+          </a:fillRef>
+          <a:effectRef idx="0">
+            <a:srgbClr val="FFFFFF"/>
+          </a:effectRef>
+          <a:fontRef idx="minor">
+            <a:schemeClr val="lt1"/>
+          </a:fontRef>
+        </p:style>
+        <p:txBody>
+          <a:bodyPr rtlCol="0" anchor="ctr"/>
+          <a:p>
+            <a:pPr algn="ctr"/>
+            <a:r>
+              <a:rPr lang="en-US" sz="2835"/>
+              <a:t>Ground</a:t>
+            </a:r>
+            <a:endParaRPr lang="en-US" sz="2835"/>
+          </a:p>
+          <a:p>
+            <a:pPr algn="ctr"/>
+            <a:r>
+              <a:rPr lang="en-US" sz="2835"/>
+              <a:t>Truth</a:t>
+            </a:r>
+            <a:endParaRPr lang="en-US" sz="2835"/>
+          </a:p>
+        </p:txBody>
+      </p:sp>
+      <p:sp>
+        <p:nvSpPr>
+          <p:cNvPr id="7" name="Rectangles 6"/>
+          <p:cNvSpPr/>
+          <p:nvPr/>
+        </p:nvSpPr>
+        <p:spPr>
+          <a:xfrm>
+            <a:off x="7701194" y="2533590"/>
+            <a:ext cx="2031104" cy="989051"/>
           </a:xfrm>
           <a:prstGeom prst="rect">
             <a:avLst/>
@@ -3018,23 +3089,180 @@
           <a:p>
             <a:pPr algn="ctr"/>
             <a:r>
-              <a:rPr lang="en-US"/>
-              <a:t>GT</a:t>
-            </a:r>
-            <a:endParaRPr lang="en-US"/>
-          </a:p>
-        </p:txBody>
-      </p:sp>
-      <p:sp>
-        <p:nvSpPr>
-          <p:cNvPr id="7" name="Rectangles 6"/>
+              <a:rPr lang="en-US" sz="2835"/>
+              <a:t>3-channel</a:t>
+            </a:r>
+            <a:endParaRPr lang="en-US" sz="2835"/>
+          </a:p>
+          <a:p>
+            <a:pPr algn="ctr"/>
+            <a:r>
+              <a:rPr lang="en-US" sz="2835"/>
+              <a:t>tensor</a:t>
+            </a:r>
+            <a:endParaRPr lang="en-US" sz="2835"/>
+          </a:p>
+        </p:txBody>
+      </p:sp>
+      <p:sp>
+        <p:nvSpPr>
+          <p:cNvPr id="8" name="Rectangles 7"/>
           <p:cNvSpPr/>
           <p:nvPr/>
         </p:nvSpPr>
         <p:spPr>
           <a:xfrm>
-            <a:off x="3201670" y="1610360"/>
-            <a:ext cx="1289685" cy="628015"/>
+            <a:off x="11688994" y="7222370"/>
+            <a:ext cx="2031104" cy="989051"/>
+          </a:xfrm>
+          <a:prstGeom prst="rect">
+            <a:avLst/>
+          </a:prstGeom>
+          <a:solidFill>
+            <a:schemeClr val="tx2">
+              <a:lumMod val="60000"/>
+              <a:lumOff val="40000"/>
+            </a:schemeClr>
+          </a:solidFill>
+          <a:ln>
+            <a:noFill/>
+          </a:ln>
+        </p:spPr>
+        <p:style>
+          <a:lnRef idx="2">
+            <a:schemeClr val="accent1">
+              <a:lumMod val="75000"/>
+            </a:schemeClr>
+          </a:lnRef>
+          <a:fillRef idx="1">
+            <a:schemeClr val="accent1"/>
+          </a:fillRef>
+          <a:effectRef idx="0">
+            <a:srgbClr val="FFFFFF"/>
+          </a:effectRef>
+          <a:fontRef idx="minor">
+            <a:schemeClr val="lt1"/>
+          </a:fontRef>
+        </p:style>
+        <p:txBody>
+          <a:bodyPr rtlCol="0" anchor="ctr"/>
+          <a:p>
+            <a:pPr algn="ctr"/>
+            <a:r>
+              <a:rPr lang="en-US" sz="2835">
+                <a:sym typeface="+mn-ea"/>
+              </a:rPr>
+              <a:t>Train&amp;Val</a:t>
+            </a:r>
+            <a:endParaRPr lang="en-US" sz="2835"/>
+          </a:p>
+          <a:p>
+            <a:pPr algn="ctr"/>
+            <a:r>
+              <a:rPr lang="en-US" sz="2835">
+                <a:sym typeface="+mn-ea"/>
+              </a:rPr>
+              <a:t>Dataset</a:t>
+            </a:r>
+            <a:endParaRPr lang="en-US" sz="2835"/>
+          </a:p>
+        </p:txBody>
+      </p:sp>
+      <p:pic>
+        <p:nvPicPr>
+          <p:cNvPr id="11" name="Picture 10"/>
+          <p:cNvPicPr>
+            <a:picLocks noChangeAspect="1"/>
+          </p:cNvPicPr>
+          <p:nvPr/>
+        </p:nvPicPr>
+        <p:blipFill>
+          <a:blip r:embed="rId1"/>
+          <a:stretch>
+            <a:fillRect/>
+          </a:stretch>
+        </p:blipFill>
+        <p:spPr>
+          <a:xfrm>
+            <a:off x="14347143" y="1491076"/>
+            <a:ext cx="4554234" cy="3077158"/>
+          </a:xfrm>
+          <a:prstGeom prst="rect">
+            <a:avLst/>
+          </a:prstGeom>
+          <a:ln w="12700" cmpd="sng">
+            <a:solidFill>
+              <a:schemeClr val="accent2">
+                <a:lumMod val="60000"/>
+                <a:lumOff val="40000"/>
+              </a:schemeClr>
+            </a:solidFill>
+            <a:prstDash val="solid"/>
+          </a:ln>
+        </p:spPr>
+      </p:pic>
+      <p:sp>
+        <p:nvSpPr>
+          <p:cNvPr id="13" name="Rounded Rectangle 12"/>
+          <p:cNvSpPr/>
+          <p:nvPr/>
+        </p:nvSpPr>
+        <p:spPr>
+          <a:xfrm>
+            <a:off x="15767216" y="2656136"/>
+            <a:ext cx="1692087" cy="748038"/>
+          </a:xfrm>
+          <a:prstGeom prst="roundRect">
+            <a:avLst/>
+          </a:prstGeom>
+          <a:solidFill>
+            <a:schemeClr val="accent6">
+              <a:lumMod val="60000"/>
+              <a:lumOff val="40000"/>
+            </a:schemeClr>
+          </a:solidFill>
+          <a:ln>
+            <a:noFill/>
+          </a:ln>
+        </p:spPr>
+        <p:style>
+          <a:lnRef idx="2">
+            <a:schemeClr val="accent1">
+              <a:lumMod val="75000"/>
+            </a:schemeClr>
+          </a:lnRef>
+          <a:fillRef idx="1">
+            <a:schemeClr val="accent1"/>
+          </a:fillRef>
+          <a:effectRef idx="0">
+            <a:srgbClr val="FFFFFF"/>
+          </a:effectRef>
+          <a:fontRef idx="minor">
+            <a:schemeClr val="lt1"/>
+          </a:fontRef>
+        </p:style>
+        <p:txBody>
+          <a:bodyPr rtlCol="0" anchor="ctr"/>
+          <a:p>
+            <a:pPr algn="ctr"/>
+            <a:r>
+              <a:rPr lang="en-US" sz="2835"/>
+              <a:t>UNet</a:t>
+            </a:r>
+            <a:endParaRPr lang="en-US" sz="2835"/>
+          </a:p>
+        </p:txBody>
+      </p:sp>
+      <p:sp>
+        <p:nvSpPr>
+          <p:cNvPr id="14" name="Rectangles 13"/>
+          <p:cNvSpPr/>
+          <p:nvPr/>
+        </p:nvSpPr>
+        <p:spPr>
+          <a:xfrm>
+            <a:off x="15079345" y="5400040"/>
+            <a:ext cx="3067050" cy="989330"/>
           </a:xfrm>
           <a:prstGeom prst="rect">
             <a:avLst/>
@@ -3070,215 +3298,18 @@
           <a:p>
             <a:pPr algn="ctr"/>
             <a:r>
-              <a:rPr lang="en-US"/>
-              <a:t>3-channel</a:t>
-            </a:r>
-            <a:endParaRPr lang="en-US"/>
+              <a:rPr lang="en-US" sz="2835"/>
+              <a:t>Training Step</a:t>
+            </a:r>
+            <a:endParaRPr lang="en-US" sz="2835"/>
           </a:p>
           <a:p>
             <a:pPr algn="ctr"/>
             <a:r>
-              <a:rPr lang="en-US"/>
-              <a:t>tensor</a:t>
-            </a:r>
-            <a:endParaRPr lang="en-US"/>
-          </a:p>
-        </p:txBody>
-      </p:sp>
-      <p:sp>
-        <p:nvSpPr>
-          <p:cNvPr id="8" name="Rectangles 7"/>
-          <p:cNvSpPr/>
-          <p:nvPr/>
-        </p:nvSpPr>
-        <p:spPr>
-          <a:xfrm>
-            <a:off x="3201670" y="4585970"/>
-            <a:ext cx="1289685" cy="628015"/>
-          </a:xfrm>
-          <a:prstGeom prst="rect">
-            <a:avLst/>
-          </a:prstGeom>
-          <a:solidFill>
-            <a:schemeClr val="accent1">
-              <a:lumMod val="60000"/>
-              <a:lumOff val="40000"/>
-            </a:schemeClr>
-          </a:solidFill>
-          <a:ln>
-            <a:noFill/>
-          </a:ln>
-        </p:spPr>
-        <p:style>
-          <a:lnRef idx="2">
-            <a:schemeClr val="accent1">
-              <a:lumMod val="75000"/>
-            </a:schemeClr>
-          </a:lnRef>
-          <a:fillRef idx="1">
-            <a:schemeClr val="accent1"/>
-          </a:fillRef>
-          <a:effectRef idx="0">
-            <a:srgbClr val="FFFFFF"/>
-          </a:effectRef>
-          <a:fontRef idx="minor">
-            <a:schemeClr val="lt1"/>
-          </a:fontRef>
-        </p:style>
-        <p:txBody>
-          <a:bodyPr rtlCol="0" anchor="ctr"/>
-          <a:p>
-            <a:pPr algn="ctr"/>
-            <a:r>
-              <a:rPr lang="en-US"/>
-              <a:t>1-channel</a:t>
-            </a:r>
-            <a:endParaRPr lang="en-US"/>
-          </a:p>
-          <a:p>
-            <a:pPr algn="ctr"/>
-            <a:r>
-              <a:rPr lang="en-US"/>
-              <a:t>label image</a:t>
-            </a:r>
-            <a:endParaRPr lang="en-US"/>
-          </a:p>
-        </p:txBody>
-      </p:sp>
-      <p:pic>
-        <p:nvPicPr>
-          <p:cNvPr id="11" name="Picture 10"/>
-          <p:cNvPicPr>
-            <a:picLocks noChangeAspect="1"/>
-          </p:cNvPicPr>
-          <p:nvPr/>
-        </p:nvPicPr>
-        <p:blipFill>
-          <a:blip r:embed="rId1"/>
-          <a:stretch>
-            <a:fillRect/>
-          </a:stretch>
-        </p:blipFill>
-        <p:spPr>
-          <a:xfrm>
-            <a:off x="4919345" y="946785"/>
-            <a:ext cx="2891790" cy="1953895"/>
-          </a:xfrm>
-          <a:prstGeom prst="rect">
-            <a:avLst/>
-          </a:prstGeom>
-          <a:ln w="12700" cmpd="sng">
-            <a:solidFill>
-              <a:schemeClr val="accent2">
-                <a:lumMod val="60000"/>
-                <a:lumOff val="40000"/>
-              </a:schemeClr>
-            </a:solidFill>
-            <a:prstDash val="solid"/>
-          </a:ln>
-        </p:spPr>
-      </p:pic>
-      <p:sp>
-        <p:nvSpPr>
-          <p:cNvPr id="13" name="Rounded Rectangle 12"/>
-          <p:cNvSpPr/>
-          <p:nvPr/>
-        </p:nvSpPr>
-        <p:spPr>
-          <a:xfrm>
-            <a:off x="5821045" y="1686560"/>
-            <a:ext cx="1074420" cy="474980"/>
-          </a:xfrm>
-          <a:prstGeom prst="roundRect">
-            <a:avLst/>
-          </a:prstGeom>
-          <a:solidFill>
-            <a:schemeClr val="accent6">
-              <a:lumMod val="60000"/>
-              <a:lumOff val="40000"/>
-            </a:schemeClr>
-          </a:solidFill>
-          <a:ln>
-            <a:noFill/>
-          </a:ln>
-        </p:spPr>
-        <p:style>
-          <a:lnRef idx="2">
-            <a:schemeClr val="accent1">
-              <a:lumMod val="75000"/>
-            </a:schemeClr>
-          </a:lnRef>
-          <a:fillRef idx="1">
-            <a:schemeClr val="accent1"/>
-          </a:fillRef>
-          <a:effectRef idx="0">
-            <a:srgbClr val="FFFFFF"/>
-          </a:effectRef>
-          <a:fontRef idx="minor">
-            <a:schemeClr val="lt1"/>
-          </a:fontRef>
-        </p:style>
-        <p:txBody>
-          <a:bodyPr rtlCol="0" anchor="ctr"/>
-          <a:p>
-            <a:pPr algn="ctr"/>
-            <a:r>
-              <a:rPr lang="en-US"/>
-              <a:t>UNet</a:t>
-            </a:r>
-            <a:endParaRPr lang="en-US"/>
-          </a:p>
-        </p:txBody>
-      </p:sp>
-      <p:sp>
-        <p:nvSpPr>
-          <p:cNvPr id="14" name="Rectangles 13"/>
-          <p:cNvSpPr/>
-          <p:nvPr/>
-        </p:nvSpPr>
-        <p:spPr>
-          <a:xfrm>
-            <a:off x="5720715" y="3429000"/>
-            <a:ext cx="1289685" cy="628015"/>
-          </a:xfrm>
-          <a:prstGeom prst="rect">
-            <a:avLst/>
-          </a:prstGeom>
-          <a:solidFill>
-            <a:schemeClr val="accent1">
-              <a:lumMod val="60000"/>
-              <a:lumOff val="40000"/>
-            </a:schemeClr>
-          </a:solidFill>
-          <a:ln>
-            <a:noFill/>
-          </a:ln>
-        </p:spPr>
-        <p:style>
-          <a:lnRef idx="2">
-            <a:schemeClr val="accent1">
-              <a:lumMod val="75000"/>
-            </a:schemeClr>
-          </a:lnRef>
-          <a:fillRef idx="1">
-            <a:schemeClr val="accent1"/>
-          </a:fillRef>
-          <a:effectRef idx="0">
-            <a:srgbClr val="FFFFFF"/>
-          </a:effectRef>
-          <a:fontRef idx="minor">
-            <a:schemeClr val="lt1"/>
-          </a:fontRef>
-        </p:style>
-        <p:txBody>
-          <a:bodyPr rtlCol="0" anchor="ctr"/>
-          <a:p>
-            <a:pPr algn="ctr"/>
-            <a:r>
-              <a:rPr lang="en-US"/>
+              <a:rPr lang="en-US" sz="2835"/>
               <a:t>Output</a:t>
             </a:r>
-            <a:endParaRPr lang="en-US"/>
+            <a:endParaRPr lang="en-US" sz="2835"/>
           </a:p>
         </p:txBody>
       </p:sp>
@@ -3290,8 +3321,8 @@
         </p:nvSpPr>
         <p:spPr>
           <a:xfrm>
-            <a:off x="5821045" y="4585335"/>
-            <a:ext cx="1074420" cy="628015"/>
+            <a:off x="14263536" y="7224545"/>
+            <a:ext cx="1692087" cy="989051"/>
           </a:xfrm>
           <a:prstGeom prst="roundRect">
             <a:avLst/>
@@ -3327,18 +3358,18 @@
           <a:p>
             <a:pPr algn="ctr"/>
             <a:r>
-              <a:rPr lang="en-US"/>
+              <a:rPr lang="en-US" sz="2835"/>
               <a:t>Loss</a:t>
             </a:r>
-            <a:endParaRPr lang="en-US"/>
+            <a:endParaRPr lang="en-US" sz="2835"/>
           </a:p>
           <a:p>
             <a:pPr algn="ctr"/>
             <a:r>
-              <a:rPr lang="en-US"/>
+              <a:rPr lang="en-US" sz="2835"/>
               <a:t>Function</a:t>
             </a:r>
-            <a:endParaRPr lang="en-US"/>
+            <a:endParaRPr lang="en-US" sz="2835"/>
           </a:p>
         </p:txBody>
       </p:sp>
@@ -3350,8 +3381,8 @@
         </p:nvSpPr>
         <p:spPr>
           <a:xfrm>
-            <a:off x="9238615" y="2272665"/>
-            <a:ext cx="1289685" cy="628015"/>
+            <a:off x="21149492" y="3579184"/>
+            <a:ext cx="1413072" cy="989051"/>
           </a:xfrm>
           <a:prstGeom prst="rect">
             <a:avLst/>
@@ -3387,62 +3418,10 @@
           <a:p>
             <a:pPr algn="ctr"/>
             <a:r>
-              <a:rPr lang="en-US"/>
+              <a:rPr lang="en-US" sz="2835"/>
               <a:t>IoU</a:t>
             </a:r>
-            <a:endParaRPr lang="en-US"/>
-          </a:p>
-        </p:txBody>
-      </p:sp>
-      <p:sp>
-        <p:nvSpPr>
-          <p:cNvPr id="20" name="Rectangles 19"/>
-          <p:cNvSpPr/>
-          <p:nvPr/>
-        </p:nvSpPr>
-        <p:spPr>
-          <a:xfrm>
-            <a:off x="5720715" y="5742940"/>
-            <a:ext cx="1289685" cy="628015"/>
-          </a:xfrm>
-          <a:prstGeom prst="rect">
-            <a:avLst/>
-          </a:prstGeom>
-          <a:solidFill>
-            <a:schemeClr val="accent1">
-              <a:lumMod val="60000"/>
-              <a:lumOff val="40000"/>
-            </a:schemeClr>
-          </a:solidFill>
-          <a:ln>
-            <a:noFill/>
-          </a:ln>
-        </p:spPr>
-        <p:style>
-          <a:lnRef idx="2">
-            <a:schemeClr val="accent1">
-              <a:lumMod val="75000"/>
-            </a:schemeClr>
-          </a:lnRef>
-          <a:fillRef idx="1">
-            <a:schemeClr val="accent1"/>
-          </a:fillRef>
-          <a:effectRef idx="0">
-            <a:srgbClr val="FFFFFF"/>
-          </a:effectRef>
-          <a:fontRef idx="minor">
-            <a:schemeClr val="lt1"/>
-          </a:fontRef>
-        </p:style>
-        <p:txBody>
-          <a:bodyPr rtlCol="0" anchor="ctr"/>
-          <a:p>
-            <a:pPr algn="ctr"/>
-            <a:r>
-              <a:rPr lang="en-US"/>
-              <a:t>Loss</a:t>
-            </a:r>
-            <a:endParaRPr lang="en-US"/>
+            <a:endParaRPr lang="en-US" sz="2835"/>
           </a:p>
         </p:txBody>
       </p:sp>
@@ -3454,8 +3433,8 @@
         </p:nvSpPr>
         <p:spPr>
           <a:xfrm>
-            <a:off x="9238615" y="3429000"/>
-            <a:ext cx="1289685" cy="628015"/>
+            <a:off x="21149492" y="5400277"/>
+            <a:ext cx="1413072" cy="989051"/>
           </a:xfrm>
           <a:prstGeom prst="rect">
             <a:avLst/>
@@ -3491,10 +3470,10 @@
           <a:p>
             <a:pPr algn="ctr"/>
             <a:r>
-              <a:rPr lang="en-US"/>
+              <a:rPr lang="en-US" sz="2835"/>
               <a:t>F1 Score</a:t>
             </a:r>
-            <a:endParaRPr lang="en-US"/>
+            <a:endParaRPr lang="en-US" sz="2835"/>
           </a:p>
         </p:txBody>
       </p:sp>
@@ -3506,8 +3485,8 @@
         </p:nvSpPr>
         <p:spPr>
           <a:xfrm>
-            <a:off x="9238615" y="4585335"/>
-            <a:ext cx="1289685" cy="628015"/>
+            <a:off x="21149492" y="7221370"/>
+            <a:ext cx="1413072" cy="989051"/>
           </a:xfrm>
           <a:prstGeom prst="rect">
             <a:avLst/>
@@ -3543,10 +3522,10 @@
           <a:p>
             <a:pPr algn="ctr"/>
             <a:r>
-              <a:rPr lang="en-US"/>
+              <a:rPr lang="en-US" sz="2835"/>
               <a:t>FN + FP</a:t>
             </a:r>
-            <a:endParaRPr lang="en-US"/>
+            <a:endParaRPr lang="en-US" sz="2835"/>
           </a:p>
         </p:txBody>
       </p:sp>
@@ -3560,9 +3539,9 @@
           <p:nvPr/>
         </p:nvCxnSpPr>
         <p:spPr>
-          <a:xfrm>
-            <a:off x="1871980" y="1924685"/>
-            <a:ext cx="1329690" cy="0"/>
+          <a:xfrm flipV="1">
+            <a:off x="5607087" y="3028615"/>
+            <a:ext cx="2094230" cy="3810"/>
           </a:xfrm>
           <a:prstGeom prst="straightConnector1">
             <a:avLst/>
@@ -3594,14 +3573,14 @@
           <p:cNvPr id="25" name="Straight Arrow Connector 24"/>
           <p:cNvCxnSpPr>
             <a:stCxn id="5" idx="3"/>
-            <a:endCxn id="8" idx="1"/>
+            <a:endCxn id="12" idx="1"/>
           </p:cNvCxnSpPr>
           <p:nvPr/>
         </p:nvCxnSpPr>
         <p:spPr>
-          <a:xfrm>
-            <a:off x="1871980" y="4899660"/>
-            <a:ext cx="1329690" cy="635"/>
+          <a:xfrm flipV="1">
+            <a:off x="5607087" y="7712586"/>
+            <a:ext cx="2094230" cy="4445"/>
           </a:xfrm>
           <a:prstGeom prst="straightConnector1">
             <a:avLst/>
@@ -3636,8 +3615,8 @@
         </p:nvSpPr>
         <p:spPr>
           <a:xfrm rot="16200000">
-            <a:off x="734695" y="3174365"/>
-            <a:ext cx="3604260" cy="474980"/>
+            <a:off x="5412740" y="3404235"/>
+            <a:ext cx="2483485" cy="748030"/>
           </a:xfrm>
           <a:prstGeom prst="roundRect">
             <a:avLst/>
@@ -3673,10 +3652,10 @@
           <a:p>
             <a:pPr algn="ctr"/>
             <a:r>
-              <a:rPr lang="en-US"/>
+              <a:rPr lang="en-US" sz="2835"/>
               <a:t>Preprocessing</a:t>
             </a:r>
-            <a:endParaRPr lang="en-US"/>
+            <a:endParaRPr lang="en-US" sz="2835"/>
           </a:p>
         </p:txBody>
       </p:sp>
@@ -3690,9 +3669,9 @@
           <p:nvPr/>
         </p:nvCxnSpPr>
         <p:spPr>
-          <a:xfrm flipV="1">
-            <a:off x="4491355" y="1924050"/>
-            <a:ext cx="427990" cy="635"/>
+          <a:xfrm>
+            <a:off x="9732933" y="3028615"/>
+            <a:ext cx="4614545" cy="1270"/>
           </a:xfrm>
           <a:prstGeom prst="straightConnector1">
             <a:avLst/>
@@ -3729,47 +3708,9 @@
           <p:nvPr/>
         </p:nvCxnSpPr>
         <p:spPr>
-          <a:xfrm>
-            <a:off x="6365240" y="2900680"/>
-            <a:ext cx="635" cy="528320"/>
-          </a:xfrm>
-          <a:prstGeom prst="straightConnector1">
-            <a:avLst/>
-          </a:prstGeom>
-          <a:ln>
-            <a:solidFill>
-              <a:schemeClr val="tx1"/>
-            </a:solidFill>
-            <a:tailEnd type="arrow" w="med" len="med"/>
-          </a:ln>
-        </p:spPr>
-        <p:style>
-          <a:lnRef idx="3">
-            <a:schemeClr val="accent1"/>
-          </a:lnRef>
-          <a:fillRef idx="0">
-            <a:srgbClr val="FFFFFF"/>
-          </a:fillRef>
-          <a:effectRef idx="0">
-            <a:srgbClr val="FFFFFF"/>
-          </a:effectRef>
-          <a:fontRef idx="minor">
-            <a:schemeClr val="tx1"/>
-          </a:fontRef>
-        </p:style>
-      </p:cxnSp>
-      <p:cxnSp>
-        <p:nvCxnSpPr>
-          <p:cNvPr id="28" name="Straight Arrow Connector 27"/>
-          <p:cNvCxnSpPr>
-            <a:endCxn id="17" idx="0"/>
-          </p:cNvCxnSpPr>
-          <p:nvPr/>
-        </p:nvCxnSpPr>
-        <p:spPr>
-          <a:xfrm>
-            <a:off x="6358255" y="4057650"/>
-            <a:ext cx="0" cy="527685"/>
+          <a:xfrm flipH="1">
+            <a:off x="16612830" y="4568234"/>
+            <a:ext cx="11430" cy="831850"/>
           </a:xfrm>
           <a:prstGeom prst="straightConnector1">
             <a:avLst/>
@@ -3806,9 +3747,9 @@
           <p:nvPr/>
         </p:nvCxnSpPr>
         <p:spPr>
-          <a:xfrm flipV="1">
-            <a:off x="4491355" y="4899660"/>
-            <a:ext cx="1329690" cy="635"/>
+          <a:xfrm>
+            <a:off x="13720733" y="7717396"/>
+            <a:ext cx="542925" cy="1905"/>
           </a:xfrm>
           <a:prstGeom prst="straightConnector1">
             <a:avLst/>
@@ -3835,162 +3776,6 @@
           </a:fontRef>
         </p:style>
       </p:cxnSp>
-      <p:cxnSp>
-        <p:nvCxnSpPr>
-          <p:cNvPr id="30" name="Straight Arrow Connector 29"/>
-          <p:cNvCxnSpPr>
-            <a:stCxn id="17" idx="2"/>
-            <a:endCxn id="20" idx="0"/>
-          </p:cNvCxnSpPr>
-          <p:nvPr/>
-        </p:nvCxnSpPr>
-        <p:spPr>
-          <a:xfrm>
-            <a:off x="6358255" y="5213350"/>
-            <a:ext cx="7620" cy="529590"/>
-          </a:xfrm>
-          <a:prstGeom prst="straightConnector1">
-            <a:avLst/>
-          </a:prstGeom>
-          <a:ln>
-            <a:solidFill>
-              <a:schemeClr val="tx1"/>
-            </a:solidFill>
-            <a:tailEnd type="arrow" w="med" len="med"/>
-          </a:ln>
-        </p:spPr>
-        <p:style>
-          <a:lnRef idx="3">
-            <a:schemeClr val="accent1"/>
-          </a:lnRef>
-          <a:fillRef idx="0">
-            <a:srgbClr val="FFFFFF"/>
-          </a:fillRef>
-          <a:effectRef idx="0">
-            <a:srgbClr val="FFFFFF"/>
-          </a:effectRef>
-          <a:fontRef idx="minor">
-            <a:schemeClr val="tx1"/>
-          </a:fontRef>
-        </p:style>
-      </p:cxnSp>
-      <p:cxnSp>
-        <p:nvCxnSpPr>
-          <p:cNvPr id="33" name="Straight Arrow Connector 32"/>
-          <p:cNvCxnSpPr>
-            <a:stCxn id="14" idx="3"/>
-            <a:endCxn id="18" idx="1"/>
-          </p:cNvCxnSpPr>
-          <p:nvPr/>
-        </p:nvCxnSpPr>
-        <p:spPr>
-          <a:xfrm flipV="1">
-            <a:off x="7010400" y="2586990"/>
-            <a:ext cx="2228215" cy="1156335"/>
-          </a:xfrm>
-          <a:prstGeom prst="straightConnector1">
-            <a:avLst/>
-          </a:prstGeom>
-          <a:ln>
-            <a:solidFill>
-              <a:schemeClr val="tx1"/>
-            </a:solidFill>
-            <a:tailEnd type="arrow" w="med" len="med"/>
-          </a:ln>
-        </p:spPr>
-        <p:style>
-          <a:lnRef idx="3">
-            <a:schemeClr val="accent1"/>
-          </a:lnRef>
-          <a:fillRef idx="0">
-            <a:srgbClr val="FFFFFF"/>
-          </a:fillRef>
-          <a:effectRef idx="0">
-            <a:srgbClr val="FFFFFF"/>
-          </a:effectRef>
-          <a:fontRef idx="minor">
-            <a:schemeClr val="tx1"/>
-          </a:fontRef>
-        </p:style>
-      </p:cxnSp>
-      <p:cxnSp>
-        <p:nvCxnSpPr>
-          <p:cNvPr id="34" name="Straight Arrow Connector 33"/>
-          <p:cNvCxnSpPr>
-            <a:stCxn id="14" idx="3"/>
-            <a:endCxn id="22" idx="1"/>
-          </p:cNvCxnSpPr>
-          <p:nvPr/>
-        </p:nvCxnSpPr>
-        <p:spPr>
-          <a:xfrm>
-            <a:off x="7010400" y="3743325"/>
-            <a:ext cx="2228215" cy="0"/>
-          </a:xfrm>
-          <a:prstGeom prst="straightConnector1">
-            <a:avLst/>
-          </a:prstGeom>
-          <a:ln>
-            <a:solidFill>
-              <a:schemeClr val="tx1"/>
-            </a:solidFill>
-            <a:tailEnd type="arrow" w="med" len="med"/>
-          </a:ln>
-        </p:spPr>
-        <p:style>
-          <a:lnRef idx="3">
-            <a:schemeClr val="accent1"/>
-          </a:lnRef>
-          <a:fillRef idx="0">
-            <a:srgbClr val="FFFFFF"/>
-          </a:fillRef>
-          <a:effectRef idx="0">
-            <a:srgbClr val="FFFFFF"/>
-          </a:effectRef>
-          <a:fontRef idx="minor">
-            <a:schemeClr val="tx1"/>
-          </a:fontRef>
-        </p:style>
-      </p:cxnSp>
-      <p:cxnSp>
-        <p:nvCxnSpPr>
-          <p:cNvPr id="35" name="Straight Arrow Connector 34"/>
-          <p:cNvCxnSpPr>
-            <a:stCxn id="14" idx="3"/>
-            <a:endCxn id="23" idx="1"/>
-          </p:cNvCxnSpPr>
-          <p:nvPr/>
-        </p:nvCxnSpPr>
-        <p:spPr>
-          <a:xfrm>
-            <a:off x="7010400" y="3743325"/>
-            <a:ext cx="2228215" cy="1156335"/>
-          </a:xfrm>
-          <a:prstGeom prst="straightConnector1">
-            <a:avLst/>
-          </a:prstGeom>
-          <a:ln>
-            <a:solidFill>
-              <a:schemeClr val="tx1"/>
-            </a:solidFill>
-            <a:tailEnd type="arrow" w="med" len="med"/>
-          </a:ln>
-        </p:spPr>
-        <p:style>
-          <a:lnRef idx="3">
-            <a:schemeClr val="accent1"/>
-          </a:lnRef>
-          <a:fillRef idx="0">
-            <a:srgbClr val="FFFFFF"/>
-          </a:fillRef>
-          <a:effectRef idx="0">
-            <a:srgbClr val="FFFFFF"/>
-          </a:effectRef>
-          <a:fontRef idx="minor">
-            <a:schemeClr val="tx1"/>
-          </a:fontRef>
-        </p:style>
-      </p:cxnSp>
       <p:sp>
         <p:nvSpPr>
           <p:cNvPr id="32" name="Rounded Rectangle 31"/>
@@ -3999,8 +3784,8 @@
         </p:nvSpPr>
         <p:spPr>
           <a:xfrm rot="16200000">
-            <a:off x="7054215" y="3507105"/>
-            <a:ext cx="2941320" cy="474980"/>
+            <a:off x="17709315" y="5523283"/>
+            <a:ext cx="4632238" cy="748038"/>
           </a:xfrm>
           <a:prstGeom prst="roundRect">
             <a:avLst/>
@@ -4036,10 +3821,10 @@
           <a:p>
             <a:pPr algn="ctr"/>
             <a:r>
-              <a:rPr lang="en-US"/>
-              <a:t>Preprocessing</a:t>
-            </a:r>
-            <a:endParaRPr lang="en-US"/>
+              <a:rPr lang="en-US" sz="2835"/>
+              <a:t>Evaluate</a:t>
+            </a:r>
+            <a:endParaRPr lang="en-US" sz="2835"/>
           </a:p>
         </p:txBody>
       </p:sp>
@@ -4047,20 +3832,18 @@
         <p:nvCxnSpPr>
           <p:cNvPr id="37" name="Elbow Connector 36"/>
           <p:cNvCxnSpPr>
-            <a:stCxn id="8" idx="2"/>
+            <a:stCxn id="31" idx="3"/>
             <a:endCxn id="32" idx="1"/>
           </p:cNvCxnSpPr>
           <p:nvPr/>
         </p:nvCxnSpPr>
         <p:spPr>
-          <a:xfrm rot="5400000" flipV="1">
-            <a:off x="6184900" y="2875280"/>
-            <a:ext cx="3175" cy="4678045"/>
+          <a:xfrm flipV="1">
+            <a:off x="13701395" y="8213725"/>
+            <a:ext cx="6323965" cy="1159510"/>
           </a:xfrm>
-          <a:prstGeom prst="bentConnector3">
-            <a:avLst>
-              <a:gd name="adj1" fmla="val 48180000"/>
-            </a:avLst>
+          <a:prstGeom prst="bentConnector2">
+            <a:avLst/>
           </a:prstGeom>
           <a:ln>
             <a:solidFill>
@@ -4092,12 +3875,12 @@
         </p:nvSpPr>
         <p:spPr>
           <a:xfrm>
-            <a:off x="8068310" y="1609090"/>
-            <a:ext cx="2642870" cy="3832860"/>
+            <a:off x="19306540" y="2752090"/>
+            <a:ext cx="7945755" cy="5768975"/>
           </a:xfrm>
           <a:prstGeom prst="roundRect">
             <a:avLst>
-              <a:gd name="adj" fmla="val 7430"/>
+              <a:gd name="adj" fmla="val 5052"/>
             </a:avLst>
           </a:prstGeom>
           <a:noFill/>
@@ -4128,50 +3911,17 @@
           </a:fontRef>
         </p:style>
         <p:txBody>
-          <a:bodyPr rtlCol="0" anchor="ctr"/>
-          <a:p>
-            <a:pPr algn="ctr"/>
-            <a:endParaRPr lang="en-US"/>
-          </a:p>
-        </p:txBody>
-      </p:sp>
-      <p:sp>
-        <p:nvSpPr>
-          <p:cNvPr id="39" name="Text Box 38"/>
-          <p:cNvSpPr txBox="1"/>
-          <p:nvPr/>
-        </p:nvSpPr>
-        <p:spPr>
-          <a:xfrm>
-            <a:off x="8286750" y="1793240"/>
-            <a:ext cx="2240280" cy="368300"/>
-          </a:xfrm>
-          <a:prstGeom prst="rect">
-            <a:avLst/>
-          </a:prstGeom>
-          <a:solidFill>
-            <a:schemeClr val="bg2">
-              <a:lumMod val="75000"/>
-            </a:schemeClr>
-          </a:solidFill>
-        </p:spPr>
-        <p:txBody>
-          <a:bodyPr wrap="square" rtlCol="0">
-            <a:spAutoFit/>
+          <a:bodyPr vertOverflow="overflow" horzOverflow="overflow" vert="horz" wrap="square" numCol="1" spcCol="0" rtlCol="0" fromWordArt="0" anchor="ctr" anchorCtr="0" forceAA="0" compatLnSpc="1">
+            <a:noAutofit/>
           </a:bodyPr>
           <a:p>
-            <a:r>
-              <a:rPr lang="en-US">
-                <a:solidFill>
-                  <a:schemeClr val="bg1"/>
-                </a:solidFill>
-              </a:rPr>
-              <a:t>Matrics for evaluate</a:t>
-            </a:r>
-            <a:endParaRPr lang="en-US">
-              <a:solidFill>
-                <a:schemeClr val="bg1"/>
-              </a:solidFill>
+            <a:pPr lvl="0" algn="ctr">
+              <a:buClrTx/>
+              <a:buSzTx/>
+              <a:buFontTx/>
+            </a:pPr>
+            <a:endParaRPr lang="en-US" sz="2835">
+              <a:sym typeface="+mn-ea"/>
             </a:endParaRPr>
           </a:p>
         </p:txBody>
@@ -4184,12 +3934,12 @@
         </p:nvSpPr>
         <p:spPr>
           <a:xfrm>
-            <a:off x="3036570" y="3187700"/>
-            <a:ext cx="4203700" cy="3344545"/>
+            <a:off x="11381740" y="5020310"/>
+            <a:ext cx="7520305" cy="3501390"/>
           </a:xfrm>
           <a:prstGeom prst="roundRect">
             <a:avLst>
-              <a:gd name="adj" fmla="val 7430"/>
+              <a:gd name="adj" fmla="val 8940"/>
             </a:avLst>
           </a:prstGeom>
           <a:noFill/>
@@ -4223,57 +3973,2209 @@
           <a:bodyPr rtlCol="0" anchor="ctr"/>
           <a:p>
             <a:pPr algn="ctr"/>
-            <a:endParaRPr lang="en-US"/>
-          </a:p>
-        </p:txBody>
-      </p:sp>
-      <p:sp>
-        <p:nvSpPr>
-          <p:cNvPr id="41" name="Text Box 40"/>
+            <a:endParaRPr lang="en-US" sz="2835"/>
+          </a:p>
+        </p:txBody>
+      </p:sp>
+      <p:sp>
+        <p:nvSpPr>
+          <p:cNvPr id="2" name="文本框 1"/>
           <p:cNvSpPr txBox="1"/>
           <p:nvPr/>
         </p:nvSpPr>
         <p:spPr>
           <a:xfrm>
-            <a:off x="3201670" y="3346450"/>
-            <a:ext cx="1678305" cy="368300"/>
+            <a:off x="11381991" y="5020257"/>
+            <a:ext cx="2881148" cy="653033"/>
+          </a:xfrm>
+          <a:prstGeom prst="round2DiagRect">
+            <a:avLst>
+              <a:gd name="adj1" fmla="val 50000"/>
+              <a:gd name="adj2" fmla="val 0"/>
+            </a:avLst>
+          </a:prstGeom>
+          <a:effectLst>
+            <a:softEdge rad="12700"/>
+          </a:effectLst>
+        </p:spPr>
+        <p:style>
+          <a:lnRef idx="0">
+            <a:srgbClr val="FFFFFF"/>
+          </a:lnRef>
+          <a:fillRef idx="1">
+            <a:schemeClr val="accent3"/>
+          </a:fillRef>
+          <a:effectRef idx="0">
+            <a:srgbClr val="FFFFFF"/>
+          </a:effectRef>
+          <a:fontRef idx="minor">
+            <a:schemeClr val="dk1"/>
+          </a:fontRef>
+        </p:style>
+        <p:txBody>
+          <a:bodyPr vertOverflow="overflow" horzOverflow="overflow" vert="horz" wrap="square" numCol="1" spcCol="0" rtlCol="0" fromWordArt="0" anchor="ctr" anchorCtr="0" forceAA="0" compatLnSpc="1">
+            <a:noAutofit/>
+          </a:bodyPr>
+          <a:p>
+            <a:pPr lvl="0" algn="l">
+              <a:buClrTx/>
+              <a:buSzTx/>
+              <a:buFontTx/>
+            </a:pPr>
+            <a:r>
+              <a:rPr lang="en-US" sz="2835">
+                <a:solidFill>
+                  <a:schemeClr val="bg1"/>
+                </a:solidFill>
+                <a:sym typeface="+mn-ea"/>
+              </a:rPr>
+              <a:t>Training Process</a:t>
+            </a:r>
+            <a:endParaRPr lang="en-US" sz="2835">
+              <a:solidFill>
+                <a:schemeClr val="bg1"/>
+              </a:solidFill>
+              <a:sym typeface="+mn-ea"/>
+            </a:endParaRPr>
+          </a:p>
+        </p:txBody>
+      </p:sp>
+      <p:graphicFrame>
+        <p:nvGraphicFramePr>
+          <p:cNvPr id="10" name="表格 9"/>
+          <p:cNvGraphicFramePr/>
+          <p:nvPr>
+            <p:custDataLst>
+              <p:tags r:id="rId2"/>
+            </p:custDataLst>
+          </p:nvPr>
+        </p:nvGraphicFramePr>
+        <p:xfrm>
+          <a:off x="22912705" y="3579495"/>
+          <a:ext cx="4019550" cy="4630420"/>
+        </p:xfrm>
+        <a:graphic>
+          <a:graphicData uri="http://schemas.openxmlformats.org/drawingml/2006/table">
+            <a:tbl>
+              <a:tblPr/>
+              <a:tblGrid>
+                <a:gridCol w="803910"/>
+                <a:gridCol w="803910"/>
+                <a:gridCol w="803910"/>
+                <a:gridCol w="803910"/>
+                <a:gridCol w="803910"/>
+              </a:tblGrid>
+              <a:tr h="826135">
+                <a:tc>
+                  <a:txBody>
+                    <a:bodyPr/>
+                    <a:p>
+                      <a:pPr indent="0" algn="ctr">
+                        <a:buNone/>
+                      </a:pPr>
+                      <a:endParaRPr lang="en-US" altLang="en-US" sz="1800" b="0">
+                        <a:solidFill>
+                          <a:srgbClr val="000000"/>
+                        </a:solidFill>
+                        <a:latin typeface="宋体" panose="02010600030101010101" pitchFamily="2" charset="-122"/>
+                      </a:endParaRPr>
+                    </a:p>
+                  </a:txBody>
+                  <a:tcPr marL="12700" marR="12700" marT="12700" vert="horz" anchor="ctr" anchorCtr="0">
+                    <a:lnL>
+                      <a:noFill/>
+                    </a:lnL>
+                    <a:lnR>
+                      <a:noFill/>
+                    </a:lnR>
+                    <a:lnT w="6350" cap="flat" cmpd="sng">
+                      <a:solidFill>
+                        <a:srgbClr val="000000"/>
+                      </a:solidFill>
+                      <a:prstDash val="solid"/>
+                      <a:headEnd type="none" w="med" len="med"/>
+                      <a:tailEnd type="none" w="med" len="med"/>
+                    </a:lnT>
+                    <a:lnB w="6350" cap="flat" cmpd="sng">
+                      <a:solidFill>
+                        <a:srgbClr val="000000"/>
+                      </a:solidFill>
+                      <a:prstDash val="solid"/>
+                      <a:headEnd type="none" w="med" len="med"/>
+                      <a:tailEnd type="none" w="med" len="med"/>
+                    </a:lnB>
+                    <a:lnTlToBr>
+                      <a:noFill/>
+                    </a:lnTlToBr>
+                    <a:lnBlToTr>
+                      <a:noFill/>
+                    </a:lnBlToTr>
+                    <a:solidFill>
+                      <a:srgbClr val="ADD88D"/>
+                    </a:solidFill>
+                  </a:tcPr>
+                </a:tc>
+                <a:tc>
+                  <a:txBody>
+                    <a:bodyPr/>
+                    <a:p>
+                      <a:pPr indent="0" algn="ctr">
+                        <a:buNone/>
+                      </a:pPr>
+                      <a:r>
+                        <a:rPr lang="en-US" sz="1800" b="0">
+                          <a:solidFill>
+                            <a:srgbClr val="000000"/>
+                          </a:solidFill>
+                          <a:latin typeface="宋体" panose="02010600030101010101" pitchFamily="2" charset="-122"/>
+                        </a:rPr>
+                        <a:t>Class</a:t>
+                      </a:r>
+                      <a:endParaRPr lang="en-US" sz="1800" b="0">
+                        <a:solidFill>
+                          <a:srgbClr val="000000"/>
+                        </a:solidFill>
+                        <a:latin typeface="宋体" panose="02010600030101010101" pitchFamily="2" charset="-122"/>
+                      </a:endParaRPr>
+                    </a:p>
+                    <a:p>
+                      <a:pPr indent="0" algn="ctr">
+                        <a:buNone/>
+                      </a:pPr>
+                      <a:r>
+                        <a:rPr lang="en-US" sz="1800" b="0">
+                          <a:solidFill>
+                            <a:srgbClr val="000000"/>
+                          </a:solidFill>
+                          <a:latin typeface="宋体" panose="02010600030101010101" pitchFamily="2" charset="-122"/>
+                        </a:rPr>
+                        <a:t>1</a:t>
+                      </a:r>
+                      <a:endParaRPr lang="en-US" altLang="en-US" sz="1800" b="0">
+                        <a:solidFill>
+                          <a:srgbClr val="000000"/>
+                        </a:solidFill>
+                        <a:latin typeface="宋体" panose="02010600030101010101" pitchFamily="2" charset="-122"/>
+                      </a:endParaRPr>
+                    </a:p>
+                  </a:txBody>
+                  <a:tcPr marL="12700" marR="12700" marT="12700" vert="horz" anchor="ctr" anchorCtr="0">
+                    <a:lnL>
+                      <a:noFill/>
+                    </a:lnL>
+                    <a:lnR>
+                      <a:noFill/>
+                    </a:lnR>
+                    <a:lnT w="6350" cap="flat" cmpd="sng">
+                      <a:solidFill>
+                        <a:srgbClr val="000000"/>
+                      </a:solidFill>
+                      <a:prstDash val="solid"/>
+                      <a:headEnd type="none" w="med" len="med"/>
+                      <a:tailEnd type="none" w="med" len="med"/>
+                    </a:lnT>
+                    <a:lnB w="6350" cap="flat" cmpd="sng">
+                      <a:solidFill>
+                        <a:srgbClr val="000000"/>
+                      </a:solidFill>
+                      <a:prstDash val="solid"/>
+                      <a:headEnd type="none" w="med" len="med"/>
+                      <a:tailEnd type="none" w="med" len="med"/>
+                    </a:lnB>
+                    <a:lnTlToBr>
+                      <a:noFill/>
+                    </a:lnTlToBr>
+                    <a:lnBlToTr>
+                      <a:noFill/>
+                    </a:lnBlToTr>
+                    <a:solidFill>
+                      <a:srgbClr val="ADD88D"/>
+                    </a:solidFill>
+                  </a:tcPr>
+                </a:tc>
+                <a:tc>
+                  <a:txBody>
+                    <a:bodyPr/>
+                    <a:p>
+                      <a:pPr indent="0" algn="ctr">
+                        <a:buNone/>
+                      </a:pPr>
+                      <a:r>
+                        <a:rPr lang="en-US" sz="1800" b="0">
+                          <a:solidFill>
+                            <a:srgbClr val="000000"/>
+                          </a:solidFill>
+                          <a:latin typeface="宋体" panose="02010600030101010101" pitchFamily="2" charset="-122"/>
+                        </a:rPr>
+                        <a:t>......</a:t>
+                      </a:r>
+                      <a:endParaRPr lang="en-US" altLang="en-US" sz="1800" b="0">
+                        <a:solidFill>
+                          <a:srgbClr val="000000"/>
+                        </a:solidFill>
+                        <a:latin typeface="宋体" panose="02010600030101010101" pitchFamily="2" charset="-122"/>
+                      </a:endParaRPr>
+                    </a:p>
+                  </a:txBody>
+                  <a:tcPr marL="12700" marR="12700" marT="12700" vert="horz" anchor="ctr" anchorCtr="0">
+                    <a:lnL>
+                      <a:noFill/>
+                    </a:lnL>
+                    <a:lnR>
+                      <a:noFill/>
+                    </a:lnR>
+                    <a:lnT w="6350" cap="flat" cmpd="sng">
+                      <a:solidFill>
+                        <a:srgbClr val="000000"/>
+                      </a:solidFill>
+                      <a:prstDash val="solid"/>
+                      <a:headEnd type="none" w="med" len="med"/>
+                      <a:tailEnd type="none" w="med" len="med"/>
+                    </a:lnT>
+                    <a:lnB w="6350" cap="flat" cmpd="sng">
+                      <a:solidFill>
+                        <a:srgbClr val="000000"/>
+                      </a:solidFill>
+                      <a:prstDash val="solid"/>
+                      <a:headEnd type="none" w="med" len="med"/>
+                      <a:tailEnd type="none" w="med" len="med"/>
+                    </a:lnB>
+                    <a:lnTlToBr>
+                      <a:noFill/>
+                    </a:lnTlToBr>
+                    <a:lnBlToTr>
+                      <a:noFill/>
+                    </a:lnBlToTr>
+                    <a:solidFill>
+                      <a:srgbClr val="ADD88D"/>
+                    </a:solidFill>
+                  </a:tcPr>
+                </a:tc>
+                <a:tc>
+                  <a:txBody>
+                    <a:bodyPr/>
+                    <a:p>
+                      <a:pPr indent="0" algn="ctr">
+                        <a:buNone/>
+                      </a:pPr>
+                      <a:r>
+                        <a:rPr lang="en-US" sz="1800" b="0">
+                          <a:solidFill>
+                            <a:srgbClr val="000000"/>
+                          </a:solidFill>
+                          <a:latin typeface="宋体" panose="02010600030101010101" pitchFamily="2" charset="-122"/>
+                        </a:rPr>
+                        <a:t>Class</a:t>
+                      </a:r>
+                      <a:endParaRPr lang="en-US" sz="1800" b="0">
+                        <a:solidFill>
+                          <a:srgbClr val="000000"/>
+                        </a:solidFill>
+                        <a:latin typeface="宋体" panose="02010600030101010101" pitchFamily="2" charset="-122"/>
+                      </a:endParaRPr>
+                    </a:p>
+                    <a:p>
+                      <a:pPr indent="0" algn="ctr">
+                        <a:buNone/>
+                      </a:pPr>
+                      <a:r>
+                        <a:rPr lang="en-US" sz="1800" b="0">
+                          <a:solidFill>
+                            <a:srgbClr val="000000"/>
+                          </a:solidFill>
+                          <a:latin typeface="宋体" panose="02010600030101010101" pitchFamily="2" charset="-122"/>
+                        </a:rPr>
+                        <a:t>6</a:t>
+                      </a:r>
+                      <a:endParaRPr lang="en-US" altLang="en-US" sz="1800" b="0">
+                        <a:solidFill>
+                          <a:srgbClr val="000000"/>
+                        </a:solidFill>
+                        <a:latin typeface="宋体" panose="02010600030101010101" pitchFamily="2" charset="-122"/>
+                      </a:endParaRPr>
+                    </a:p>
+                  </a:txBody>
+                  <a:tcPr marL="12700" marR="12700" marT="12700" vert="horz" anchor="ctr" anchorCtr="0">
+                    <a:lnL>
+                      <a:noFill/>
+                    </a:lnL>
+                    <a:lnR>
+                      <a:noFill/>
+                    </a:lnR>
+                    <a:lnT w="6350" cap="flat" cmpd="sng">
+                      <a:solidFill>
+                        <a:srgbClr val="000000"/>
+                      </a:solidFill>
+                      <a:prstDash val="solid"/>
+                      <a:headEnd type="none" w="med" len="med"/>
+                      <a:tailEnd type="none" w="med" len="med"/>
+                    </a:lnT>
+                    <a:lnB w="6350" cap="flat" cmpd="sng">
+                      <a:solidFill>
+                        <a:srgbClr val="000000"/>
+                      </a:solidFill>
+                      <a:prstDash val="solid"/>
+                      <a:headEnd type="none" w="med" len="med"/>
+                      <a:tailEnd type="none" w="med" len="med"/>
+                    </a:lnB>
+                    <a:lnTlToBr>
+                      <a:noFill/>
+                    </a:lnTlToBr>
+                    <a:lnBlToTr>
+                      <a:noFill/>
+                    </a:lnBlToTr>
+                    <a:solidFill>
+                      <a:srgbClr val="ADD88D"/>
+                    </a:solidFill>
+                  </a:tcPr>
+                </a:tc>
+                <a:tc>
+                  <a:txBody>
+                    <a:bodyPr/>
+                    <a:p>
+                      <a:pPr indent="0" algn="ctr">
+                        <a:buNone/>
+                      </a:pPr>
+                      <a:r>
+                        <a:rPr lang="en-US" sz="1800" b="0">
+                          <a:solidFill>
+                            <a:srgbClr val="000000"/>
+                          </a:solidFill>
+                          <a:latin typeface="宋体" panose="02010600030101010101" pitchFamily="2" charset="-122"/>
+                        </a:rPr>
+                        <a:t>Total</a:t>
+                      </a:r>
+                      <a:endParaRPr lang="en-US" altLang="en-US" sz="1800" b="0">
+                        <a:solidFill>
+                          <a:srgbClr val="000000"/>
+                        </a:solidFill>
+                        <a:latin typeface="宋体" panose="02010600030101010101" pitchFamily="2" charset="-122"/>
+                      </a:endParaRPr>
+                    </a:p>
+                  </a:txBody>
+                  <a:tcPr marL="12700" marR="12700" marT="12700" vert="horz" anchor="ctr" anchorCtr="0">
+                    <a:lnL>
+                      <a:noFill/>
+                    </a:lnL>
+                    <a:lnR cap="flat">
+                      <a:noFill/>
+                    </a:lnR>
+                    <a:lnT w="6350" cap="flat" cmpd="sng">
+                      <a:solidFill>
+                        <a:srgbClr val="000000"/>
+                      </a:solidFill>
+                      <a:prstDash val="solid"/>
+                      <a:headEnd type="none" w="med" len="med"/>
+                      <a:tailEnd type="none" w="med" len="med"/>
+                    </a:lnT>
+                    <a:lnB w="6350" cap="flat" cmpd="sng">
+                      <a:solidFill>
+                        <a:srgbClr val="000000"/>
+                      </a:solidFill>
+                      <a:prstDash val="solid"/>
+                      <a:headEnd type="none" w="med" len="med"/>
+                      <a:tailEnd type="none" w="med" len="med"/>
+                    </a:lnB>
+                    <a:lnTlToBr>
+                      <a:noFill/>
+                    </a:lnTlToBr>
+                    <a:lnBlToTr>
+                      <a:noFill/>
+                    </a:lnBlToTr>
+                    <a:solidFill>
+                      <a:srgbClr val="ADD88D"/>
+                    </a:solidFill>
+                  </a:tcPr>
+                </a:tc>
+              </a:tr>
+              <a:tr h="1252220">
+                <a:tc>
+                  <a:txBody>
+                    <a:bodyPr/>
+                    <a:p>
+                      <a:pPr indent="0" algn="ctr">
+                        <a:buNone/>
+                      </a:pPr>
+                      <a:r>
+                        <a:rPr lang="en-US" sz="1800" b="0">
+                          <a:solidFill>
+                            <a:srgbClr val="000000"/>
+                          </a:solidFill>
+                          <a:latin typeface="宋体" panose="02010600030101010101" pitchFamily="2" charset="-122"/>
+                        </a:rPr>
+                        <a:t>IoU</a:t>
+                      </a:r>
+                      <a:endParaRPr lang="en-US" altLang="en-US" sz="1800" b="0">
+                        <a:solidFill>
+                          <a:srgbClr val="000000"/>
+                        </a:solidFill>
+                        <a:latin typeface="宋体" panose="02010600030101010101" pitchFamily="2" charset="-122"/>
+                      </a:endParaRPr>
+                    </a:p>
+                  </a:txBody>
+                  <a:tcPr marL="12700" marR="12700" marT="12700" vert="horz" anchor="ctr" anchorCtr="0">
+                    <a:lnL>
+                      <a:noFill/>
+                    </a:lnL>
+                    <a:lnR>
+                      <a:noFill/>
+                    </a:lnR>
+                    <a:lnT w="6350" cap="flat" cmpd="sng">
+                      <a:solidFill>
+                        <a:srgbClr val="000000"/>
+                      </a:solidFill>
+                      <a:prstDash val="solid"/>
+                      <a:headEnd type="none" w="med" len="med"/>
+                      <a:tailEnd type="none" w="med" len="med"/>
+                    </a:lnT>
+                    <a:lnB w="6350" cap="flat" cmpd="sng">
+                      <a:solidFill>
+                        <a:srgbClr val="000000"/>
+                      </a:solidFill>
+                      <a:prstDash val="solid"/>
+                      <a:headEnd type="none" w="med" len="med"/>
+                      <a:tailEnd type="none" w="med" len="med"/>
+                    </a:lnB>
+                    <a:lnTlToBr>
+                      <a:noFill/>
+                    </a:lnTlToBr>
+                    <a:lnBlToTr>
+                      <a:noFill/>
+                    </a:lnBlToTr>
+                    <a:solidFill>
+                      <a:srgbClr val="FEDB61"/>
+                    </a:solidFill>
+                  </a:tcPr>
+                </a:tc>
+                <a:tc>
+                  <a:txBody>
+                    <a:bodyPr/>
+                    <a:p>
+                      <a:pPr indent="0" algn="ctr">
+                        <a:buNone/>
+                      </a:pPr>
+                      <a:r>
+                        <a:rPr lang="en-US" sz="1800" b="0">
+                          <a:solidFill>
+                            <a:srgbClr val="000000"/>
+                          </a:solidFill>
+                          <a:latin typeface="宋体" panose="02010600030101010101" pitchFamily="2" charset="-122"/>
+                        </a:rPr>
+                        <a:t>0.96</a:t>
+                      </a:r>
+                      <a:endParaRPr lang="en-US" altLang="en-US" sz="1800" b="0">
+                        <a:solidFill>
+                          <a:srgbClr val="000000"/>
+                        </a:solidFill>
+                        <a:latin typeface="宋体" panose="02010600030101010101" pitchFamily="2" charset="-122"/>
+                      </a:endParaRPr>
+                    </a:p>
+                  </a:txBody>
+                  <a:tcPr marL="12700" marR="12700" marT="12700" vert="horz" anchor="ctr" anchorCtr="0">
+                    <a:lnL>
+                      <a:noFill/>
+                    </a:lnL>
+                    <a:lnR>
+                      <a:noFill/>
+                    </a:lnR>
+                    <a:lnT w="6350" cap="flat" cmpd="sng">
+                      <a:solidFill>
+                        <a:srgbClr val="000000"/>
+                      </a:solidFill>
+                      <a:prstDash val="solid"/>
+                      <a:headEnd type="none" w="med" len="med"/>
+                      <a:tailEnd type="none" w="med" len="med"/>
+                    </a:lnT>
+                    <a:lnB w="6350" cap="flat" cmpd="sng">
+                      <a:solidFill>
+                        <a:srgbClr val="000000"/>
+                      </a:solidFill>
+                      <a:prstDash val="solid"/>
+                      <a:headEnd type="none" w="med" len="med"/>
+                      <a:tailEnd type="none" w="med" len="med"/>
+                    </a:lnB>
+                    <a:lnTlToBr>
+                      <a:noFill/>
+                    </a:lnTlToBr>
+                    <a:lnBlToTr>
+                      <a:noFill/>
+                    </a:lnBlToTr>
+                    <a:solidFill>
+                      <a:srgbClr val="B5C6EA"/>
+                    </a:solidFill>
+                  </a:tcPr>
+                </a:tc>
+                <a:tc>
+                  <a:txBody>
+                    <a:bodyPr/>
+                    <a:p>
+                      <a:pPr indent="0" algn="ctr">
+                        <a:buNone/>
+                      </a:pPr>
+                      <a:r>
+                        <a:rPr lang="en-US" sz="1800" b="0">
+                          <a:solidFill>
+                            <a:srgbClr val="000000"/>
+                          </a:solidFill>
+                          <a:latin typeface="宋体" panose="02010600030101010101" pitchFamily="2" charset="-122"/>
+                        </a:rPr>
+                        <a:t>......</a:t>
+                      </a:r>
+                      <a:endParaRPr lang="en-US" altLang="en-US" sz="1800" b="0">
+                        <a:solidFill>
+                          <a:srgbClr val="000000"/>
+                        </a:solidFill>
+                        <a:latin typeface="宋体" panose="02010600030101010101" pitchFamily="2" charset="-122"/>
+                      </a:endParaRPr>
+                    </a:p>
+                  </a:txBody>
+                  <a:tcPr marL="12700" marR="12700" marT="12700" vert="horz" anchor="ctr" anchorCtr="0">
+                    <a:lnL>
+                      <a:noFill/>
+                    </a:lnL>
+                    <a:lnR>
+                      <a:noFill/>
+                    </a:lnR>
+                    <a:lnT w="6350" cap="flat" cmpd="sng">
+                      <a:solidFill>
+                        <a:srgbClr val="000000"/>
+                      </a:solidFill>
+                      <a:prstDash val="solid"/>
+                      <a:headEnd type="none" w="med" len="med"/>
+                      <a:tailEnd type="none" w="med" len="med"/>
+                    </a:lnT>
+                    <a:lnB w="6350" cap="flat" cmpd="sng">
+                      <a:solidFill>
+                        <a:srgbClr val="000000"/>
+                      </a:solidFill>
+                      <a:prstDash val="solid"/>
+                      <a:headEnd type="none" w="med" len="med"/>
+                      <a:tailEnd type="none" w="med" len="med"/>
+                    </a:lnB>
+                    <a:lnTlToBr>
+                      <a:noFill/>
+                    </a:lnTlToBr>
+                    <a:lnBlToTr>
+                      <a:noFill/>
+                    </a:lnBlToTr>
+                    <a:solidFill>
+                      <a:srgbClr val="B5C6EA"/>
+                    </a:solidFill>
+                  </a:tcPr>
+                </a:tc>
+                <a:tc>
+                  <a:txBody>
+                    <a:bodyPr/>
+                    <a:p>
+                      <a:pPr indent="0" algn="ctr">
+                        <a:buNone/>
+                      </a:pPr>
+                      <a:r>
+                        <a:rPr lang="en-US" sz="1800" b="0">
+                          <a:solidFill>
+                            <a:srgbClr val="000000"/>
+                          </a:solidFill>
+                          <a:latin typeface="宋体" panose="02010600030101010101" pitchFamily="2" charset="-122"/>
+                        </a:rPr>
+                        <a:t>0.87</a:t>
+                      </a:r>
+                      <a:endParaRPr lang="en-US" altLang="en-US" sz="1800" b="0">
+                        <a:solidFill>
+                          <a:srgbClr val="000000"/>
+                        </a:solidFill>
+                        <a:latin typeface="宋体" panose="02010600030101010101" pitchFamily="2" charset="-122"/>
+                      </a:endParaRPr>
+                    </a:p>
+                  </a:txBody>
+                  <a:tcPr marL="12700" marR="12700" marT="12700" vert="horz" anchor="ctr" anchorCtr="0">
+                    <a:lnL>
+                      <a:noFill/>
+                    </a:lnL>
+                    <a:lnR>
+                      <a:noFill/>
+                    </a:lnR>
+                    <a:lnT w="6350" cap="flat" cmpd="sng">
+                      <a:solidFill>
+                        <a:srgbClr val="000000"/>
+                      </a:solidFill>
+                      <a:prstDash val="solid"/>
+                      <a:headEnd type="none" w="med" len="med"/>
+                      <a:tailEnd type="none" w="med" len="med"/>
+                    </a:lnT>
+                    <a:lnB w="6350" cap="flat" cmpd="sng">
+                      <a:solidFill>
+                        <a:srgbClr val="000000"/>
+                      </a:solidFill>
+                      <a:prstDash val="solid"/>
+                      <a:headEnd type="none" w="med" len="med"/>
+                      <a:tailEnd type="none" w="med" len="med"/>
+                    </a:lnB>
+                    <a:lnTlToBr>
+                      <a:noFill/>
+                    </a:lnTlToBr>
+                    <a:lnBlToTr>
+                      <a:noFill/>
+                    </a:lnBlToTr>
+                    <a:solidFill>
+                      <a:srgbClr val="B5C6EA"/>
+                    </a:solidFill>
+                  </a:tcPr>
+                </a:tc>
+                <a:tc>
+                  <a:txBody>
+                    <a:bodyPr/>
+                    <a:p>
+                      <a:pPr indent="0" algn="ctr">
+                        <a:buNone/>
+                      </a:pPr>
+                      <a:r>
+                        <a:rPr lang="en-US" sz="1800" b="0">
+                          <a:solidFill>
+                            <a:srgbClr val="000000"/>
+                          </a:solidFill>
+                          <a:latin typeface="宋体" panose="02010600030101010101" pitchFamily="2" charset="-122"/>
+                        </a:rPr>
+                        <a:t>0.92</a:t>
+                      </a:r>
+                      <a:endParaRPr lang="en-US" altLang="en-US" sz="1800" b="0">
+                        <a:solidFill>
+                          <a:srgbClr val="000000"/>
+                        </a:solidFill>
+                        <a:latin typeface="宋体" panose="02010600030101010101" pitchFamily="2" charset="-122"/>
+                      </a:endParaRPr>
+                    </a:p>
+                  </a:txBody>
+                  <a:tcPr marL="12700" marR="12700" marT="12700" vert="horz" anchor="ctr" anchorCtr="0">
+                    <a:lnL>
+                      <a:noFill/>
+                    </a:lnL>
+                    <a:lnR cap="flat">
+                      <a:noFill/>
+                    </a:lnR>
+                    <a:lnT w="6350" cap="flat" cmpd="sng">
+                      <a:solidFill>
+                        <a:srgbClr val="000000"/>
+                      </a:solidFill>
+                      <a:prstDash val="solid"/>
+                      <a:headEnd type="none" w="med" len="med"/>
+                      <a:tailEnd type="none" w="med" len="med"/>
+                    </a:lnT>
+                    <a:lnB w="6350" cap="flat" cmpd="sng">
+                      <a:solidFill>
+                        <a:srgbClr val="000000"/>
+                      </a:solidFill>
+                      <a:prstDash val="solid"/>
+                      <a:headEnd type="none" w="med" len="med"/>
+                      <a:tailEnd type="none" w="med" len="med"/>
+                    </a:lnB>
+                    <a:lnTlToBr>
+                      <a:noFill/>
+                    </a:lnTlToBr>
+                    <a:lnBlToTr>
+                      <a:noFill/>
+                    </a:lnBlToTr>
+                    <a:solidFill>
+                      <a:srgbClr val="B5C6EA"/>
+                    </a:solidFill>
+                  </a:tcPr>
+                </a:tc>
+              </a:tr>
+              <a:tr h="1252855">
+                <a:tc>
+                  <a:txBody>
+                    <a:bodyPr/>
+                    <a:p>
+                      <a:pPr indent="0" algn="ctr">
+                        <a:buNone/>
+                      </a:pPr>
+                      <a:r>
+                        <a:rPr lang="en-US" sz="1800" b="0">
+                          <a:solidFill>
+                            <a:srgbClr val="000000"/>
+                          </a:solidFill>
+                          <a:latin typeface="宋体" panose="02010600030101010101" pitchFamily="2" charset="-122"/>
+                        </a:rPr>
+                        <a:t>F1 Score</a:t>
+                      </a:r>
+                      <a:endParaRPr lang="en-US" altLang="en-US" sz="1800" b="0">
+                        <a:solidFill>
+                          <a:srgbClr val="000000"/>
+                        </a:solidFill>
+                        <a:latin typeface="宋体" panose="02010600030101010101" pitchFamily="2" charset="-122"/>
+                      </a:endParaRPr>
+                    </a:p>
+                  </a:txBody>
+                  <a:tcPr marL="12700" marR="12700" marT="12700" vert="horz" anchor="ctr" anchorCtr="0">
+                    <a:lnL>
+                      <a:noFill/>
+                    </a:lnL>
+                    <a:lnR>
+                      <a:noFill/>
+                    </a:lnR>
+                    <a:lnT w="6350" cap="flat" cmpd="sng">
+                      <a:solidFill>
+                        <a:srgbClr val="000000"/>
+                      </a:solidFill>
+                      <a:prstDash val="solid"/>
+                      <a:headEnd type="none" w="med" len="med"/>
+                      <a:tailEnd type="none" w="med" len="med"/>
+                    </a:lnT>
+                    <a:lnB w="6350" cap="flat" cmpd="sng">
+                      <a:solidFill>
+                        <a:srgbClr val="000000"/>
+                      </a:solidFill>
+                      <a:prstDash val="solid"/>
+                      <a:headEnd type="none" w="med" len="med"/>
+                      <a:tailEnd type="none" w="med" len="med"/>
+                    </a:lnB>
+                    <a:lnTlToBr>
+                      <a:noFill/>
+                    </a:lnTlToBr>
+                    <a:lnBlToTr>
+                      <a:noFill/>
+                    </a:lnBlToTr>
+                    <a:solidFill>
+                      <a:srgbClr val="FEDB61"/>
+                    </a:solidFill>
+                  </a:tcPr>
+                </a:tc>
+                <a:tc>
+                  <a:txBody>
+                    <a:bodyPr/>
+                    <a:p>
+                      <a:pPr indent="0" algn="ctr">
+                        <a:buNone/>
+                      </a:pPr>
+                      <a:r>
+                        <a:rPr lang="en-US" sz="1800" b="0">
+                          <a:solidFill>
+                            <a:srgbClr val="000000"/>
+                          </a:solidFill>
+                          <a:latin typeface="宋体" panose="02010600030101010101" pitchFamily="2" charset="-122"/>
+                        </a:rPr>
+                        <a:t>0.95</a:t>
+                      </a:r>
+                      <a:endParaRPr lang="en-US" altLang="en-US" sz="1800" b="0">
+                        <a:solidFill>
+                          <a:srgbClr val="000000"/>
+                        </a:solidFill>
+                        <a:latin typeface="宋体" panose="02010600030101010101" pitchFamily="2" charset="-122"/>
+                      </a:endParaRPr>
+                    </a:p>
+                  </a:txBody>
+                  <a:tcPr marL="12700" marR="12700" marT="12700" vert="horz" anchor="ctr" anchorCtr="0">
+                    <a:lnL>
+                      <a:noFill/>
+                    </a:lnL>
+                    <a:lnR>
+                      <a:noFill/>
+                    </a:lnR>
+                    <a:lnT w="6350" cap="flat" cmpd="sng">
+                      <a:solidFill>
+                        <a:srgbClr val="000000"/>
+                      </a:solidFill>
+                      <a:prstDash val="solid"/>
+                      <a:headEnd type="none" w="med" len="med"/>
+                      <a:tailEnd type="none" w="med" len="med"/>
+                    </a:lnT>
+                    <a:lnB w="6350" cap="flat" cmpd="sng">
+                      <a:solidFill>
+                        <a:srgbClr val="000000"/>
+                      </a:solidFill>
+                      <a:prstDash val="solid"/>
+                      <a:headEnd type="none" w="med" len="med"/>
+                      <a:tailEnd type="none" w="med" len="med"/>
+                    </a:lnB>
+                    <a:lnTlToBr>
+                      <a:noFill/>
+                    </a:lnTlToBr>
+                    <a:lnBlToTr>
+                      <a:noFill/>
+                    </a:lnBlToTr>
+                    <a:solidFill>
+                      <a:srgbClr val="B5C6EA"/>
+                    </a:solidFill>
+                  </a:tcPr>
+                </a:tc>
+                <a:tc>
+                  <a:txBody>
+                    <a:bodyPr/>
+                    <a:p>
+                      <a:pPr indent="0" algn="ctr">
+                        <a:buNone/>
+                      </a:pPr>
+                      <a:r>
+                        <a:rPr lang="en-US" sz="1800" b="0">
+                          <a:solidFill>
+                            <a:srgbClr val="000000"/>
+                          </a:solidFill>
+                          <a:latin typeface="宋体" panose="02010600030101010101" pitchFamily="2" charset="-122"/>
+                        </a:rPr>
+                        <a:t>......</a:t>
+                      </a:r>
+                      <a:endParaRPr lang="en-US" altLang="en-US" sz="1800" b="0">
+                        <a:solidFill>
+                          <a:srgbClr val="000000"/>
+                        </a:solidFill>
+                        <a:latin typeface="宋体" panose="02010600030101010101" pitchFamily="2" charset="-122"/>
+                      </a:endParaRPr>
+                    </a:p>
+                  </a:txBody>
+                  <a:tcPr marL="12700" marR="12700" marT="12700" vert="horz" anchor="ctr" anchorCtr="0">
+                    <a:lnL>
+                      <a:noFill/>
+                    </a:lnL>
+                    <a:lnR>
+                      <a:noFill/>
+                    </a:lnR>
+                    <a:lnT w="6350" cap="flat" cmpd="sng">
+                      <a:solidFill>
+                        <a:srgbClr val="000000"/>
+                      </a:solidFill>
+                      <a:prstDash val="solid"/>
+                      <a:headEnd type="none" w="med" len="med"/>
+                      <a:tailEnd type="none" w="med" len="med"/>
+                    </a:lnT>
+                    <a:lnB w="6350" cap="flat" cmpd="sng">
+                      <a:solidFill>
+                        <a:srgbClr val="000000"/>
+                      </a:solidFill>
+                      <a:prstDash val="solid"/>
+                      <a:headEnd type="none" w="med" len="med"/>
+                      <a:tailEnd type="none" w="med" len="med"/>
+                    </a:lnB>
+                    <a:lnTlToBr>
+                      <a:noFill/>
+                    </a:lnTlToBr>
+                    <a:lnBlToTr>
+                      <a:noFill/>
+                    </a:lnBlToTr>
+                    <a:solidFill>
+                      <a:srgbClr val="B5C6EA"/>
+                    </a:solidFill>
+                  </a:tcPr>
+                </a:tc>
+                <a:tc>
+                  <a:txBody>
+                    <a:bodyPr/>
+                    <a:p>
+                      <a:pPr indent="0" algn="ctr">
+                        <a:buNone/>
+                      </a:pPr>
+                      <a:r>
+                        <a:rPr lang="en-US" sz="1800" b="0">
+                          <a:solidFill>
+                            <a:srgbClr val="000000"/>
+                          </a:solidFill>
+                          <a:latin typeface="宋体" panose="02010600030101010101" pitchFamily="2" charset="-122"/>
+                        </a:rPr>
+                        <a:t>0.84</a:t>
+                      </a:r>
+                      <a:endParaRPr lang="en-US" altLang="en-US" sz="1800" b="0">
+                        <a:solidFill>
+                          <a:srgbClr val="000000"/>
+                        </a:solidFill>
+                        <a:latin typeface="宋体" panose="02010600030101010101" pitchFamily="2" charset="-122"/>
+                      </a:endParaRPr>
+                    </a:p>
+                  </a:txBody>
+                  <a:tcPr marL="12700" marR="12700" marT="12700" vert="horz" anchor="ctr" anchorCtr="0">
+                    <a:lnL>
+                      <a:noFill/>
+                    </a:lnL>
+                    <a:lnR>
+                      <a:noFill/>
+                    </a:lnR>
+                    <a:lnT w="6350" cap="flat" cmpd="sng">
+                      <a:solidFill>
+                        <a:srgbClr val="000000"/>
+                      </a:solidFill>
+                      <a:prstDash val="solid"/>
+                      <a:headEnd type="none" w="med" len="med"/>
+                      <a:tailEnd type="none" w="med" len="med"/>
+                    </a:lnT>
+                    <a:lnB w="6350" cap="flat" cmpd="sng">
+                      <a:solidFill>
+                        <a:srgbClr val="000000"/>
+                      </a:solidFill>
+                      <a:prstDash val="solid"/>
+                      <a:headEnd type="none" w="med" len="med"/>
+                      <a:tailEnd type="none" w="med" len="med"/>
+                    </a:lnB>
+                    <a:lnTlToBr>
+                      <a:noFill/>
+                    </a:lnTlToBr>
+                    <a:lnBlToTr>
+                      <a:noFill/>
+                    </a:lnBlToTr>
+                    <a:solidFill>
+                      <a:srgbClr val="B5C6EA"/>
+                    </a:solidFill>
+                  </a:tcPr>
+                </a:tc>
+                <a:tc>
+                  <a:txBody>
+                    <a:bodyPr/>
+                    <a:p>
+                      <a:pPr indent="0" algn="ctr">
+                        <a:buNone/>
+                      </a:pPr>
+                      <a:r>
+                        <a:rPr lang="en-US" sz="1800" b="0">
+                          <a:solidFill>
+                            <a:srgbClr val="000000"/>
+                          </a:solidFill>
+                          <a:latin typeface="宋体" panose="02010600030101010101" pitchFamily="2" charset="-122"/>
+                        </a:rPr>
+                        <a:t>0.91</a:t>
+                      </a:r>
+                      <a:endParaRPr lang="en-US" altLang="en-US" sz="1800" b="0">
+                        <a:solidFill>
+                          <a:srgbClr val="000000"/>
+                        </a:solidFill>
+                        <a:latin typeface="宋体" panose="02010600030101010101" pitchFamily="2" charset="-122"/>
+                      </a:endParaRPr>
+                    </a:p>
+                  </a:txBody>
+                  <a:tcPr marL="12700" marR="12700" marT="12700" vert="horz" anchor="ctr" anchorCtr="0">
+                    <a:lnL>
+                      <a:noFill/>
+                    </a:lnL>
+                    <a:lnR cap="flat">
+                      <a:noFill/>
+                    </a:lnR>
+                    <a:lnT w="6350" cap="flat" cmpd="sng">
+                      <a:solidFill>
+                        <a:srgbClr val="000000"/>
+                      </a:solidFill>
+                      <a:prstDash val="solid"/>
+                      <a:headEnd type="none" w="med" len="med"/>
+                      <a:tailEnd type="none" w="med" len="med"/>
+                    </a:lnT>
+                    <a:lnB w="6350" cap="flat" cmpd="sng">
+                      <a:solidFill>
+                        <a:srgbClr val="000000"/>
+                      </a:solidFill>
+                      <a:prstDash val="solid"/>
+                      <a:headEnd type="none" w="med" len="med"/>
+                      <a:tailEnd type="none" w="med" len="med"/>
+                    </a:lnB>
+                    <a:lnTlToBr>
+                      <a:noFill/>
+                    </a:lnTlToBr>
+                    <a:lnBlToTr>
+                      <a:noFill/>
+                    </a:lnBlToTr>
+                    <a:solidFill>
+                      <a:srgbClr val="B5C6EA"/>
+                    </a:solidFill>
+                  </a:tcPr>
+                </a:tc>
+              </a:tr>
+              <a:tr h="1299210">
+                <a:tc>
+                  <a:txBody>
+                    <a:bodyPr/>
+                    <a:p>
+                      <a:pPr indent="0" algn="ctr">
+                        <a:buNone/>
+                      </a:pPr>
+                      <a:r>
+                        <a:rPr lang="en-US" sz="1800" b="0">
+                          <a:solidFill>
+                            <a:srgbClr val="000000"/>
+                          </a:solidFill>
+                          <a:latin typeface="宋体" panose="02010600030101010101" pitchFamily="2" charset="-122"/>
+                        </a:rPr>
+                        <a:t>Error Rate</a:t>
+                      </a:r>
+                      <a:endParaRPr lang="en-US" altLang="en-US" sz="1800" b="0">
+                        <a:solidFill>
+                          <a:srgbClr val="000000"/>
+                        </a:solidFill>
+                        <a:latin typeface="宋体" panose="02010600030101010101" pitchFamily="2" charset="-122"/>
+                      </a:endParaRPr>
+                    </a:p>
+                  </a:txBody>
+                  <a:tcPr marL="12700" marR="12700" marT="12700" vert="horz" anchor="ctr" anchorCtr="0">
+                    <a:lnL>
+                      <a:noFill/>
+                    </a:lnL>
+                    <a:lnR>
+                      <a:noFill/>
+                    </a:lnR>
+                    <a:lnT w="6350" cap="flat" cmpd="sng">
+                      <a:solidFill>
+                        <a:srgbClr val="000000"/>
+                      </a:solidFill>
+                      <a:prstDash val="solid"/>
+                      <a:headEnd type="none" w="med" len="med"/>
+                      <a:tailEnd type="none" w="med" len="med"/>
+                    </a:lnT>
+                    <a:lnB w="6350" cap="flat" cmpd="sng">
+                      <a:solidFill>
+                        <a:srgbClr val="000000"/>
+                      </a:solidFill>
+                      <a:prstDash val="solid"/>
+                      <a:headEnd type="none" w="med" len="med"/>
+                      <a:tailEnd type="none" w="med" len="med"/>
+                    </a:lnB>
+                    <a:lnTlToBr>
+                      <a:noFill/>
+                    </a:lnTlToBr>
+                    <a:lnBlToTr>
+                      <a:noFill/>
+                    </a:lnBlToTr>
+                    <a:solidFill>
+                      <a:srgbClr val="FEDB61"/>
+                    </a:solidFill>
+                  </a:tcPr>
+                </a:tc>
+                <a:tc>
+                  <a:txBody>
+                    <a:bodyPr/>
+                    <a:p>
+                      <a:pPr indent="0" algn="ctr">
+                        <a:buNone/>
+                      </a:pPr>
+                      <a:r>
+                        <a:rPr lang="en-US" sz="1800" b="0">
+                          <a:solidFill>
+                            <a:srgbClr val="000000"/>
+                          </a:solidFill>
+                          <a:latin typeface="宋体" panose="02010600030101010101" pitchFamily="2" charset="-122"/>
+                        </a:rPr>
+                        <a:t>0.04</a:t>
+                      </a:r>
+                      <a:endParaRPr lang="en-US" altLang="en-US" sz="1800" b="0">
+                        <a:solidFill>
+                          <a:srgbClr val="000000"/>
+                        </a:solidFill>
+                        <a:latin typeface="宋体" panose="02010600030101010101" pitchFamily="2" charset="-122"/>
+                      </a:endParaRPr>
+                    </a:p>
+                  </a:txBody>
+                  <a:tcPr marL="12700" marR="12700" marT="12700" vert="horz" anchor="ctr" anchorCtr="0">
+                    <a:lnL>
+                      <a:noFill/>
+                    </a:lnL>
+                    <a:lnR>
+                      <a:noFill/>
+                    </a:lnR>
+                    <a:lnT w="6350" cap="flat" cmpd="sng">
+                      <a:solidFill>
+                        <a:srgbClr val="000000"/>
+                      </a:solidFill>
+                      <a:prstDash val="solid"/>
+                      <a:headEnd type="none" w="med" len="med"/>
+                      <a:tailEnd type="none" w="med" len="med"/>
+                    </a:lnT>
+                    <a:lnB w="6350" cap="flat" cmpd="sng">
+                      <a:solidFill>
+                        <a:srgbClr val="000000"/>
+                      </a:solidFill>
+                      <a:prstDash val="solid"/>
+                      <a:headEnd type="none" w="med" len="med"/>
+                      <a:tailEnd type="none" w="med" len="med"/>
+                    </a:lnB>
+                    <a:lnTlToBr>
+                      <a:noFill/>
+                    </a:lnTlToBr>
+                    <a:lnBlToTr>
+                      <a:noFill/>
+                    </a:lnBlToTr>
+                    <a:solidFill>
+                      <a:srgbClr val="B5C6EA"/>
+                    </a:solidFill>
+                  </a:tcPr>
+                </a:tc>
+                <a:tc>
+                  <a:txBody>
+                    <a:bodyPr/>
+                    <a:p>
+                      <a:pPr indent="0" algn="ctr">
+                        <a:buNone/>
+                      </a:pPr>
+                      <a:r>
+                        <a:rPr lang="en-US" sz="1800" b="0">
+                          <a:solidFill>
+                            <a:srgbClr val="000000"/>
+                          </a:solidFill>
+                          <a:latin typeface="宋体" panose="02010600030101010101" pitchFamily="2" charset="-122"/>
+                        </a:rPr>
+                        <a:t>......</a:t>
+                      </a:r>
+                      <a:endParaRPr lang="en-US" altLang="en-US" sz="1800" b="0">
+                        <a:solidFill>
+                          <a:srgbClr val="000000"/>
+                        </a:solidFill>
+                        <a:latin typeface="宋体" panose="02010600030101010101" pitchFamily="2" charset="-122"/>
+                      </a:endParaRPr>
+                    </a:p>
+                  </a:txBody>
+                  <a:tcPr marL="12700" marR="12700" marT="12700" vert="horz" anchor="ctr" anchorCtr="0">
+                    <a:lnL>
+                      <a:noFill/>
+                    </a:lnL>
+                    <a:lnR>
+                      <a:noFill/>
+                    </a:lnR>
+                    <a:lnT w="6350" cap="flat" cmpd="sng">
+                      <a:solidFill>
+                        <a:srgbClr val="000000"/>
+                      </a:solidFill>
+                      <a:prstDash val="solid"/>
+                      <a:headEnd type="none" w="med" len="med"/>
+                      <a:tailEnd type="none" w="med" len="med"/>
+                    </a:lnT>
+                    <a:lnB w="6350" cap="flat" cmpd="sng">
+                      <a:solidFill>
+                        <a:srgbClr val="000000"/>
+                      </a:solidFill>
+                      <a:prstDash val="solid"/>
+                      <a:headEnd type="none" w="med" len="med"/>
+                      <a:tailEnd type="none" w="med" len="med"/>
+                    </a:lnB>
+                    <a:lnTlToBr>
+                      <a:noFill/>
+                    </a:lnTlToBr>
+                    <a:lnBlToTr>
+                      <a:noFill/>
+                    </a:lnBlToTr>
+                    <a:solidFill>
+                      <a:srgbClr val="B5C6EA"/>
+                    </a:solidFill>
+                  </a:tcPr>
+                </a:tc>
+                <a:tc>
+                  <a:txBody>
+                    <a:bodyPr/>
+                    <a:p>
+                      <a:pPr indent="0" algn="ctr">
+                        <a:buNone/>
+                      </a:pPr>
+                      <a:r>
+                        <a:rPr lang="en-US" sz="1800" b="0">
+                          <a:solidFill>
+                            <a:srgbClr val="000000"/>
+                          </a:solidFill>
+                          <a:latin typeface="宋体" panose="02010600030101010101" pitchFamily="2" charset="-122"/>
+                        </a:rPr>
+                        <a:t>0.16</a:t>
+                      </a:r>
+                      <a:endParaRPr lang="en-US" altLang="en-US" sz="1800" b="0">
+                        <a:solidFill>
+                          <a:srgbClr val="000000"/>
+                        </a:solidFill>
+                        <a:latin typeface="宋体" panose="02010600030101010101" pitchFamily="2" charset="-122"/>
+                      </a:endParaRPr>
+                    </a:p>
+                  </a:txBody>
+                  <a:tcPr marL="12700" marR="12700" marT="12700" vert="horz" anchor="ctr" anchorCtr="0">
+                    <a:lnL>
+                      <a:noFill/>
+                    </a:lnL>
+                    <a:lnR>
+                      <a:noFill/>
+                    </a:lnR>
+                    <a:lnT w="6350" cap="flat" cmpd="sng">
+                      <a:solidFill>
+                        <a:srgbClr val="000000"/>
+                      </a:solidFill>
+                      <a:prstDash val="solid"/>
+                      <a:headEnd type="none" w="med" len="med"/>
+                      <a:tailEnd type="none" w="med" len="med"/>
+                    </a:lnT>
+                    <a:lnB w="6350" cap="flat" cmpd="sng">
+                      <a:solidFill>
+                        <a:srgbClr val="000000"/>
+                      </a:solidFill>
+                      <a:prstDash val="solid"/>
+                      <a:headEnd type="none" w="med" len="med"/>
+                      <a:tailEnd type="none" w="med" len="med"/>
+                    </a:lnB>
+                    <a:lnTlToBr>
+                      <a:noFill/>
+                    </a:lnTlToBr>
+                    <a:lnBlToTr>
+                      <a:noFill/>
+                    </a:lnBlToTr>
+                    <a:solidFill>
+                      <a:srgbClr val="B5C6EA"/>
+                    </a:solidFill>
+                  </a:tcPr>
+                </a:tc>
+                <a:tc>
+                  <a:txBody>
+                    <a:bodyPr/>
+                    <a:p>
+                      <a:pPr indent="0" algn="ctr">
+                        <a:buNone/>
+                      </a:pPr>
+                      <a:r>
+                        <a:rPr lang="en-US" sz="1800" b="0">
+                          <a:solidFill>
+                            <a:srgbClr val="000000"/>
+                          </a:solidFill>
+                          <a:latin typeface="宋体" panose="02010600030101010101" pitchFamily="2" charset="-122"/>
+                        </a:rPr>
+                        <a:t>0.08</a:t>
+                      </a:r>
+                      <a:endParaRPr lang="en-US" altLang="en-US" sz="1800" b="0">
+                        <a:solidFill>
+                          <a:srgbClr val="000000"/>
+                        </a:solidFill>
+                        <a:latin typeface="宋体" panose="02010600030101010101" pitchFamily="2" charset="-122"/>
+                      </a:endParaRPr>
+                    </a:p>
+                  </a:txBody>
+                  <a:tcPr marL="12700" marR="12700" marT="12700" vert="horz" anchor="ctr" anchorCtr="0">
+                    <a:lnL>
+                      <a:noFill/>
+                    </a:lnL>
+                    <a:lnR cap="flat">
+                      <a:noFill/>
+                    </a:lnR>
+                    <a:lnT w="6350" cap="flat" cmpd="sng">
+                      <a:solidFill>
+                        <a:srgbClr val="000000"/>
+                      </a:solidFill>
+                      <a:prstDash val="solid"/>
+                      <a:headEnd type="none" w="med" len="med"/>
+                      <a:tailEnd type="none" w="med" len="med"/>
+                    </a:lnT>
+                    <a:lnB w="6350" cap="flat" cmpd="sng">
+                      <a:solidFill>
+                        <a:srgbClr val="000000"/>
+                      </a:solidFill>
+                      <a:prstDash val="solid"/>
+                      <a:headEnd type="none" w="med" len="med"/>
+                      <a:tailEnd type="none" w="med" len="med"/>
+                    </a:lnB>
+                    <a:lnTlToBr>
+                      <a:noFill/>
+                    </a:lnTlToBr>
+                    <a:lnBlToTr>
+                      <a:noFill/>
+                    </a:lnBlToTr>
+                    <a:solidFill>
+                      <a:srgbClr val="B5C6EA"/>
+                    </a:solidFill>
+                  </a:tcPr>
+                </a:tc>
+              </a:tr>
+            </a:tbl>
+          </a:graphicData>
+        </a:graphic>
+      </p:graphicFrame>
+      <p:sp>
+        <p:nvSpPr>
+          <p:cNvPr id="12" name="Rectangles 7"/>
+          <p:cNvSpPr/>
+          <p:nvPr/>
+        </p:nvSpPr>
+        <p:spPr>
+          <a:xfrm>
+            <a:off x="7701194" y="7217925"/>
+            <a:ext cx="2031104" cy="989051"/>
           </a:xfrm>
           <a:prstGeom prst="rect">
             <a:avLst/>
           </a:prstGeom>
           <a:solidFill>
-            <a:schemeClr val="bg2">
+            <a:schemeClr val="tx2">
+              <a:lumMod val="60000"/>
+              <a:lumOff val="40000"/>
+            </a:schemeClr>
+          </a:solidFill>
+          <a:ln>
+            <a:noFill/>
+          </a:ln>
+        </p:spPr>
+        <p:style>
+          <a:lnRef idx="2">
+            <a:schemeClr val="accent1">
               <a:lumMod val="75000"/>
             </a:schemeClr>
+          </a:lnRef>
+          <a:fillRef idx="1">
+            <a:schemeClr val="accent1"/>
+          </a:fillRef>
+          <a:effectRef idx="0">
+            <a:srgbClr val="FFFFFF"/>
+          </a:effectRef>
+          <a:fontRef idx="minor">
+            <a:schemeClr val="lt1"/>
+          </a:fontRef>
+        </p:style>
+        <p:txBody>
+          <a:bodyPr rtlCol="0" anchor="ctr"/>
+          <a:p>
+            <a:pPr algn="ctr"/>
+            <a:r>
+              <a:rPr lang="en-US" sz="2835"/>
+              <a:t>One-hot</a:t>
+            </a:r>
+            <a:endParaRPr lang="en-US" sz="2835"/>
+          </a:p>
+          <a:p>
+            <a:pPr algn="ctr"/>
+            <a:r>
+              <a:rPr lang="en-US" sz="2835"/>
+              <a:t>label image</a:t>
+            </a:r>
+            <a:endParaRPr lang="en-US" sz="2835"/>
+          </a:p>
+        </p:txBody>
+      </p:sp>
+      <p:cxnSp>
+        <p:nvCxnSpPr>
+          <p:cNvPr id="15" name="Straight Arrow Connector 24"/>
+          <p:cNvCxnSpPr>
+            <a:stCxn id="12" idx="3"/>
+            <a:endCxn id="8" idx="1"/>
+          </p:cNvCxnSpPr>
+          <p:nvPr/>
+        </p:nvCxnSpPr>
+        <p:spPr>
+          <a:xfrm>
+            <a:off x="9732682" y="7712586"/>
+            <a:ext cx="1956435" cy="4445"/>
+          </a:xfrm>
+          <a:prstGeom prst="straightConnector1">
+            <a:avLst/>
+          </a:prstGeom>
+          <a:ln>
+            <a:solidFill>
+              <a:schemeClr val="tx1"/>
+            </a:solidFill>
+            <a:tailEnd type="arrow" w="med" len="med"/>
+          </a:ln>
+        </p:spPr>
+        <p:style>
+          <a:lnRef idx="3">
+            <a:schemeClr val="accent1"/>
+          </a:lnRef>
+          <a:fillRef idx="0">
+            <a:srgbClr val="FFFFFF"/>
+          </a:fillRef>
+          <a:effectRef idx="0">
+            <a:srgbClr val="FFFFFF"/>
+          </a:effectRef>
+          <a:fontRef idx="minor">
+            <a:schemeClr val="tx1"/>
+          </a:fontRef>
+        </p:style>
+      </p:cxnSp>
+      <p:sp>
+        <p:nvSpPr>
+          <p:cNvPr id="16" name="Rounded Rectangle 5"/>
+          <p:cNvSpPr/>
+          <p:nvPr/>
+        </p:nvSpPr>
+        <p:spPr>
+          <a:xfrm rot="16200000">
+            <a:off x="9654540" y="3161665"/>
+            <a:ext cx="1995170" cy="748030"/>
+          </a:xfrm>
+          <a:prstGeom prst="roundRect">
+            <a:avLst/>
+          </a:prstGeom>
+          <a:solidFill>
+            <a:schemeClr val="accent2">
+              <a:lumMod val="60000"/>
+              <a:lumOff val="40000"/>
+            </a:schemeClr>
           </a:solidFill>
+          <a:ln>
+            <a:noFill/>
+          </a:ln>
         </p:spPr>
-        <p:txBody>
-          <a:bodyPr wrap="square" rtlCol="0">
-            <a:spAutoFit/>
+        <p:style>
+          <a:lnRef idx="2">
+            <a:schemeClr val="accent1">
+              <a:lumMod val="75000"/>
+            </a:schemeClr>
+          </a:lnRef>
+          <a:fillRef idx="1">
+            <a:schemeClr val="accent1"/>
+          </a:fillRef>
+          <a:effectRef idx="0">
+            <a:srgbClr val="FFFFFF"/>
+          </a:effectRef>
+          <a:fontRef idx="minor">
+            <a:schemeClr val="lt1"/>
+          </a:fontRef>
+        </p:style>
+        <p:txBody>
+          <a:bodyPr rtlCol="0" anchor="ctr"/>
+          <a:p>
+            <a:pPr algn="ctr"/>
+            <a:r>
+              <a:rPr lang="en-US" sz="2835"/>
+              <a:t>Dataloader</a:t>
+            </a:r>
+            <a:endParaRPr lang="en-US" sz="2835"/>
+          </a:p>
+        </p:txBody>
+      </p:sp>
+      <p:sp>
+        <p:nvSpPr>
+          <p:cNvPr id="19" name="Rectangles 7"/>
+          <p:cNvSpPr/>
+          <p:nvPr/>
+        </p:nvSpPr>
+        <p:spPr>
+          <a:xfrm>
+            <a:off x="11670579" y="2537975"/>
+            <a:ext cx="2031104" cy="989051"/>
+          </a:xfrm>
+          <a:prstGeom prst="rect">
+            <a:avLst/>
+          </a:prstGeom>
+          <a:solidFill>
+            <a:schemeClr val="accent1">
+              <a:lumMod val="60000"/>
+              <a:lumOff val="40000"/>
+            </a:schemeClr>
+          </a:solidFill>
+          <a:ln>
+            <a:noFill/>
+          </a:ln>
+        </p:spPr>
+        <p:style>
+          <a:lnRef idx="2">
+            <a:schemeClr val="accent1">
+              <a:lumMod val="75000"/>
+            </a:schemeClr>
+          </a:lnRef>
+          <a:fillRef idx="1">
+            <a:schemeClr val="accent1"/>
+          </a:fillRef>
+          <a:effectRef idx="0">
+            <a:srgbClr val="FFFFFF"/>
+          </a:effectRef>
+          <a:fontRef idx="minor">
+            <a:schemeClr val="lt1"/>
+          </a:fontRef>
+        </p:style>
+        <p:txBody>
+          <a:bodyPr rtlCol="0" anchor="ctr"/>
+          <a:p>
+            <a:pPr algn="ctr"/>
+            <a:r>
+              <a:rPr lang="en-US" sz="2835"/>
+              <a:t>Train&amp;Val</a:t>
+            </a:r>
+            <a:endParaRPr lang="en-US" sz="2835"/>
+          </a:p>
+          <a:p>
+            <a:pPr algn="ctr"/>
+            <a:r>
+              <a:rPr lang="en-US" sz="2835"/>
+              <a:t>Dataset</a:t>
+            </a:r>
+            <a:endParaRPr lang="en-US" sz="2835"/>
+          </a:p>
+        </p:txBody>
+      </p:sp>
+      <p:sp>
+        <p:nvSpPr>
+          <p:cNvPr id="21" name="Rectangles 7"/>
+          <p:cNvSpPr/>
+          <p:nvPr/>
+        </p:nvSpPr>
+        <p:spPr>
+          <a:xfrm>
+            <a:off x="11688994" y="613290"/>
+            <a:ext cx="2031104" cy="989051"/>
+          </a:xfrm>
+          <a:prstGeom prst="rect">
+            <a:avLst/>
+          </a:prstGeom>
+          <a:solidFill>
+            <a:schemeClr val="accent1">
+              <a:lumMod val="60000"/>
+              <a:lumOff val="40000"/>
+            </a:schemeClr>
+          </a:solidFill>
+          <a:ln>
+            <a:noFill/>
+          </a:ln>
+        </p:spPr>
+        <p:style>
+          <a:lnRef idx="2">
+            <a:schemeClr val="accent1">
+              <a:lumMod val="75000"/>
+            </a:schemeClr>
+          </a:lnRef>
+          <a:fillRef idx="1">
+            <a:schemeClr val="accent1"/>
+          </a:fillRef>
+          <a:effectRef idx="0">
+            <a:srgbClr val="FFFFFF"/>
+          </a:effectRef>
+          <a:fontRef idx="minor">
+            <a:schemeClr val="lt1"/>
+          </a:fontRef>
+        </p:style>
+        <p:txBody>
+          <a:bodyPr rtlCol="0" anchor="ctr"/>
+          <a:p>
+            <a:pPr algn="ctr"/>
+            <a:r>
+              <a:rPr lang="en-US" sz="2835"/>
+              <a:t>Test</a:t>
+            </a:r>
+            <a:endParaRPr lang="en-US" sz="2835"/>
+          </a:p>
+          <a:p>
+            <a:pPr algn="ctr"/>
+            <a:r>
+              <a:rPr lang="en-US" sz="2835"/>
+              <a:t>Dataset</a:t>
+            </a:r>
+            <a:endParaRPr lang="en-US" sz="2835"/>
+          </a:p>
+        </p:txBody>
+      </p:sp>
+      <p:sp>
+        <p:nvSpPr>
+          <p:cNvPr id="31" name="Rectangles 7"/>
+          <p:cNvSpPr/>
+          <p:nvPr/>
+        </p:nvSpPr>
+        <p:spPr>
+          <a:xfrm>
+            <a:off x="11669944" y="8878450"/>
+            <a:ext cx="2031104" cy="989051"/>
+          </a:xfrm>
+          <a:prstGeom prst="rect">
+            <a:avLst/>
+          </a:prstGeom>
+          <a:solidFill>
+            <a:schemeClr val="tx2">
+              <a:lumMod val="60000"/>
+              <a:lumOff val="40000"/>
+            </a:schemeClr>
+          </a:solidFill>
+          <a:ln>
+            <a:noFill/>
+          </a:ln>
+        </p:spPr>
+        <p:style>
+          <a:lnRef idx="2">
+            <a:schemeClr val="accent1">
+              <a:lumMod val="75000"/>
+            </a:schemeClr>
+          </a:lnRef>
+          <a:fillRef idx="1">
+            <a:schemeClr val="accent1"/>
+          </a:fillRef>
+          <a:effectRef idx="0">
+            <a:srgbClr val="FFFFFF"/>
+          </a:effectRef>
+          <a:fontRef idx="minor">
+            <a:schemeClr val="lt1"/>
+          </a:fontRef>
+        </p:style>
+        <p:txBody>
+          <a:bodyPr vertOverflow="overflow" horzOverflow="overflow" vert="horz" wrap="square" numCol="1" spcCol="0" rtlCol="0" fromWordArt="0" anchor="ctr" anchorCtr="0" forceAA="0" compatLnSpc="1">
+            <a:noAutofit/>
           </a:bodyPr>
           <a:p>
-            <a:r>
-              <a:rPr lang="en-US">
+            <a:pPr lvl="0" algn="ctr">
+              <a:buClrTx/>
+              <a:buSzTx/>
+              <a:buFontTx/>
+            </a:pPr>
+            <a:r>
+              <a:rPr lang="en-US" sz="2835">
+                <a:sym typeface="+mn-ea"/>
+              </a:rPr>
+              <a:t>Test</a:t>
+            </a:r>
+            <a:endParaRPr lang="en-US" sz="2835">
+              <a:sym typeface="+mn-ea"/>
+            </a:endParaRPr>
+          </a:p>
+          <a:p>
+            <a:pPr lvl="0" algn="ctr">
+              <a:buClrTx/>
+              <a:buSzTx/>
+              <a:buFontTx/>
+            </a:pPr>
+            <a:r>
+              <a:rPr lang="en-US" sz="2835">
+                <a:sym typeface="+mn-ea"/>
+              </a:rPr>
+              <a:t>Dataset</a:t>
+            </a:r>
+            <a:endParaRPr lang="en-US" sz="2835">
+              <a:sym typeface="+mn-ea"/>
+            </a:endParaRPr>
+          </a:p>
+        </p:txBody>
+      </p:sp>
+      <p:cxnSp>
+        <p:nvCxnSpPr>
+          <p:cNvPr id="36" name="肘形连接符 35"/>
+          <p:cNvCxnSpPr>
+            <a:stCxn id="45" idx="1"/>
+            <a:endCxn id="31" idx="1"/>
+          </p:cNvCxnSpPr>
+          <p:nvPr/>
+        </p:nvCxnSpPr>
+        <p:spPr>
+          <a:xfrm rot="5400000" flipV="1">
+            <a:off x="10577830" y="8280400"/>
+            <a:ext cx="1166495" cy="1017905"/>
+          </a:xfrm>
+          <a:prstGeom prst="bentConnector2">
+            <a:avLst/>
+          </a:prstGeom>
+          <a:ln>
+            <a:solidFill>
+              <a:schemeClr val="tx1"/>
+            </a:solidFill>
+            <a:tailEnd type="arrow" w="med" len="med"/>
+          </a:ln>
+        </p:spPr>
+        <p:style>
+          <a:lnRef idx="3">
+            <a:schemeClr val="accent1"/>
+          </a:lnRef>
+          <a:fillRef idx="0">
+            <a:srgbClr val="FFFFFF"/>
+          </a:fillRef>
+          <a:effectRef idx="0">
+            <a:srgbClr val="FFFFFF"/>
+          </a:effectRef>
+          <a:fontRef idx="minor">
+            <a:schemeClr val="tx1"/>
+          </a:fontRef>
+        </p:style>
+      </p:cxnSp>
+      <p:cxnSp>
+        <p:nvCxnSpPr>
+          <p:cNvPr id="43" name="肘形连接符 42"/>
+          <p:cNvCxnSpPr>
+            <a:stCxn id="16" idx="3"/>
+            <a:endCxn id="21" idx="1"/>
+          </p:cNvCxnSpPr>
+          <p:nvPr/>
+        </p:nvCxnSpPr>
+        <p:spPr>
+          <a:xfrm rot="16200000">
+            <a:off x="10455593" y="1304608"/>
+            <a:ext cx="1430020" cy="1036955"/>
+          </a:xfrm>
+          <a:prstGeom prst="bentConnector2">
+            <a:avLst/>
+          </a:prstGeom>
+          <a:ln>
+            <a:solidFill>
+              <a:schemeClr val="tx1"/>
+            </a:solidFill>
+            <a:tailEnd type="arrow" w="med" len="med"/>
+          </a:ln>
+        </p:spPr>
+        <p:style>
+          <a:lnRef idx="3">
+            <a:schemeClr val="accent1"/>
+          </a:lnRef>
+          <a:fillRef idx="0">
+            <a:srgbClr val="FFFFFF"/>
+          </a:fillRef>
+          <a:effectRef idx="0">
+            <a:srgbClr val="FFFFFF"/>
+          </a:effectRef>
+          <a:fontRef idx="minor">
+            <a:schemeClr val="tx1"/>
+          </a:fontRef>
+        </p:style>
+      </p:cxnSp>
+      <p:sp>
+        <p:nvSpPr>
+          <p:cNvPr id="45" name="Rounded Rectangle 5"/>
+          <p:cNvSpPr/>
+          <p:nvPr/>
+        </p:nvSpPr>
+        <p:spPr>
+          <a:xfrm rot="16200000">
+            <a:off x="9654540" y="6835140"/>
+            <a:ext cx="1995170" cy="748030"/>
+          </a:xfrm>
+          <a:prstGeom prst="roundRect">
+            <a:avLst/>
+          </a:prstGeom>
+          <a:solidFill>
+            <a:schemeClr val="accent2">
+              <a:lumMod val="60000"/>
+              <a:lumOff val="40000"/>
+            </a:schemeClr>
+          </a:solidFill>
+          <a:ln>
+            <a:noFill/>
+          </a:ln>
+        </p:spPr>
+        <p:style>
+          <a:lnRef idx="2">
+            <a:schemeClr val="accent1">
+              <a:lumMod val="75000"/>
+            </a:schemeClr>
+          </a:lnRef>
+          <a:fillRef idx="1">
+            <a:schemeClr val="accent1"/>
+          </a:fillRef>
+          <a:effectRef idx="0">
+            <a:srgbClr val="FFFFFF"/>
+          </a:effectRef>
+          <a:fontRef idx="minor">
+            <a:schemeClr val="lt1"/>
+          </a:fontRef>
+        </p:style>
+        <p:txBody>
+          <a:bodyPr rtlCol="0" anchor="ctr"/>
+          <a:p>
+            <a:pPr algn="ctr"/>
+            <a:r>
+              <a:rPr lang="en-US" sz="2835"/>
+              <a:t>Dataloader</a:t>
+            </a:r>
+            <a:endParaRPr lang="en-US" sz="2835"/>
+          </a:p>
+        </p:txBody>
+      </p:sp>
+      <p:sp>
+        <p:nvSpPr>
+          <p:cNvPr id="46" name="Rounded Rectangle 5"/>
+          <p:cNvSpPr/>
+          <p:nvPr/>
+        </p:nvSpPr>
+        <p:spPr>
+          <a:xfrm rot="16200000">
+            <a:off x="5412105" y="6597650"/>
+            <a:ext cx="2483485" cy="748030"/>
+          </a:xfrm>
+          <a:prstGeom prst="roundRect">
+            <a:avLst/>
+          </a:prstGeom>
+          <a:solidFill>
+            <a:schemeClr val="accent2">
+              <a:lumMod val="60000"/>
+              <a:lumOff val="40000"/>
+            </a:schemeClr>
+          </a:solidFill>
+          <a:ln>
+            <a:noFill/>
+          </a:ln>
+        </p:spPr>
+        <p:style>
+          <a:lnRef idx="2">
+            <a:schemeClr val="accent1">
+              <a:lumMod val="75000"/>
+            </a:schemeClr>
+          </a:lnRef>
+          <a:fillRef idx="1">
+            <a:schemeClr val="accent1"/>
+          </a:fillRef>
+          <a:effectRef idx="0">
+            <a:srgbClr val="FFFFFF"/>
+          </a:effectRef>
+          <a:fontRef idx="minor">
+            <a:schemeClr val="lt1"/>
+          </a:fontRef>
+        </p:style>
+        <p:txBody>
+          <a:bodyPr rtlCol="0" anchor="ctr"/>
+          <a:p>
+            <a:pPr algn="ctr"/>
+            <a:r>
+              <a:rPr lang="en-US" sz="2835"/>
+              <a:t>Preprocessing</a:t>
+            </a:r>
+            <a:endParaRPr lang="en-US" sz="2835"/>
+          </a:p>
+        </p:txBody>
+      </p:sp>
+      <p:cxnSp>
+        <p:nvCxnSpPr>
+          <p:cNvPr id="47" name="Elbow Connector 36"/>
+          <p:cNvCxnSpPr>
+            <a:stCxn id="21" idx="3"/>
+            <a:endCxn id="32" idx="3"/>
+          </p:cNvCxnSpPr>
+          <p:nvPr/>
+        </p:nvCxnSpPr>
+        <p:spPr>
+          <a:xfrm>
+            <a:off x="13720445" y="1108075"/>
+            <a:ext cx="6304915" cy="2473325"/>
+          </a:xfrm>
+          <a:prstGeom prst="bentConnector2">
+            <a:avLst/>
+          </a:prstGeom>
+          <a:ln>
+            <a:solidFill>
+              <a:schemeClr val="tx1"/>
+            </a:solidFill>
+            <a:tailEnd type="arrow" w="med" len="med"/>
+          </a:ln>
+        </p:spPr>
+        <p:style>
+          <a:lnRef idx="3">
+            <a:schemeClr val="accent1"/>
+          </a:lnRef>
+          <a:fillRef idx="0">
+            <a:srgbClr val="FFFFFF"/>
+          </a:fillRef>
+          <a:effectRef idx="0">
+            <a:srgbClr val="FFFFFF"/>
+          </a:effectRef>
+          <a:fontRef idx="minor">
+            <a:schemeClr val="tx1"/>
+          </a:fontRef>
+        </p:style>
+      </p:cxnSp>
+      <p:sp>
+        <p:nvSpPr>
+          <p:cNvPr id="48" name="文本框 47"/>
+          <p:cNvSpPr txBox="1"/>
+          <p:nvPr/>
+        </p:nvSpPr>
+        <p:spPr>
+          <a:xfrm>
+            <a:off x="25638760" y="2745105"/>
+            <a:ext cx="1613535" cy="659130"/>
+          </a:xfrm>
+          <a:prstGeom prst="roundRect">
+            <a:avLst>
+              <a:gd name="adj" fmla="val 50000"/>
+            </a:avLst>
+          </a:prstGeom>
+          <a:effectLst>
+            <a:softEdge rad="12700"/>
+          </a:effectLst>
+        </p:spPr>
+        <p:style>
+          <a:lnRef idx="0">
+            <a:srgbClr val="FFFFFF"/>
+          </a:lnRef>
+          <a:fillRef idx="1">
+            <a:schemeClr val="accent3"/>
+          </a:fillRef>
+          <a:effectRef idx="0">
+            <a:srgbClr val="FFFFFF"/>
+          </a:effectRef>
+          <a:fontRef idx="minor">
+            <a:schemeClr val="dk1"/>
+          </a:fontRef>
+        </p:style>
+        <p:txBody>
+          <a:bodyPr vertOverflow="overflow" horzOverflow="overflow" vert="horz" wrap="square" numCol="1" spcCol="0" rtlCol="0" fromWordArt="0" anchor="ctr" anchorCtr="0" forceAA="0" compatLnSpc="1">
+            <a:noAutofit/>
+          </a:bodyPr>
+          <a:p>
+            <a:pPr lvl="0" algn="ctr">
+              <a:buClrTx/>
+              <a:buSzTx/>
+              <a:buFontTx/>
+            </a:pPr>
+            <a:r>
+              <a:rPr lang="en-US" sz="2835">
                 <a:solidFill>
                   <a:schemeClr val="bg1"/>
                 </a:solidFill>
+                <a:sym typeface="+mn-ea"/>
               </a:rPr>
-              <a:t>Training Process</a:t>
-            </a:r>
-            <a:endParaRPr lang="en-US">
+              <a:t>Evaluate</a:t>
+            </a:r>
+            <a:endParaRPr lang="en-US" sz="2835">
               <a:solidFill>
                 <a:schemeClr val="bg1"/>
               </a:solidFill>
+              <a:sym typeface="+mn-ea"/>
             </a:endParaRPr>
           </a:p>
         </p:txBody>
       </p:sp>
+      <p:cxnSp>
+        <p:nvCxnSpPr>
+          <p:cNvPr id="49" name="Straight Arrow Connector 27"/>
+          <p:cNvCxnSpPr>
+            <a:stCxn id="32" idx="2"/>
+            <a:endCxn id="18" idx="1"/>
+          </p:cNvCxnSpPr>
+          <p:nvPr/>
+        </p:nvCxnSpPr>
+        <p:spPr>
+          <a:xfrm flipV="1">
+            <a:off x="20399129" y="4073848"/>
+            <a:ext cx="749935" cy="1823085"/>
+          </a:xfrm>
+          <a:prstGeom prst="straightConnector1">
+            <a:avLst/>
+          </a:prstGeom>
+          <a:ln>
+            <a:solidFill>
+              <a:schemeClr val="tx1"/>
+            </a:solidFill>
+            <a:tailEnd type="arrow" w="med" len="med"/>
+          </a:ln>
+        </p:spPr>
+        <p:style>
+          <a:lnRef idx="3">
+            <a:schemeClr val="accent1"/>
+          </a:lnRef>
+          <a:fillRef idx="0">
+            <a:srgbClr val="FFFFFF"/>
+          </a:fillRef>
+          <a:effectRef idx="0">
+            <a:srgbClr val="FFFFFF"/>
+          </a:effectRef>
+          <a:fontRef idx="minor">
+            <a:schemeClr val="tx1"/>
+          </a:fontRef>
+        </p:style>
+      </p:cxnSp>
+      <p:cxnSp>
+        <p:nvCxnSpPr>
+          <p:cNvPr id="50" name="Straight Arrow Connector 27"/>
+          <p:cNvCxnSpPr>
+            <a:stCxn id="32" idx="2"/>
+            <a:endCxn id="22" idx="1"/>
+          </p:cNvCxnSpPr>
+          <p:nvPr/>
+        </p:nvCxnSpPr>
+        <p:spPr>
+          <a:xfrm flipV="1">
+            <a:off x="20399129" y="5894393"/>
+            <a:ext cx="749935" cy="2540"/>
+          </a:xfrm>
+          <a:prstGeom prst="straightConnector1">
+            <a:avLst/>
+          </a:prstGeom>
+          <a:ln>
+            <a:solidFill>
+              <a:schemeClr val="tx1"/>
+            </a:solidFill>
+            <a:tailEnd type="arrow" w="med" len="med"/>
+          </a:ln>
+        </p:spPr>
+        <p:style>
+          <a:lnRef idx="3">
+            <a:schemeClr val="accent1"/>
+          </a:lnRef>
+          <a:fillRef idx="0">
+            <a:srgbClr val="FFFFFF"/>
+          </a:fillRef>
+          <a:effectRef idx="0">
+            <a:srgbClr val="FFFFFF"/>
+          </a:effectRef>
+          <a:fontRef idx="minor">
+            <a:schemeClr val="tx1"/>
+          </a:fontRef>
+        </p:style>
+      </p:cxnSp>
+      <p:cxnSp>
+        <p:nvCxnSpPr>
+          <p:cNvPr id="51" name="Straight Arrow Connector 27"/>
+          <p:cNvCxnSpPr>
+            <a:stCxn id="32" idx="2"/>
+          </p:cNvCxnSpPr>
+          <p:nvPr/>
+        </p:nvCxnSpPr>
+        <p:spPr>
+          <a:xfrm>
+            <a:off x="20399129" y="5896933"/>
+            <a:ext cx="756285" cy="1903730"/>
+          </a:xfrm>
+          <a:prstGeom prst="straightConnector1">
+            <a:avLst/>
+          </a:prstGeom>
+          <a:ln>
+            <a:solidFill>
+              <a:schemeClr val="tx1"/>
+            </a:solidFill>
+            <a:tailEnd type="arrow" w="med" len="med"/>
+          </a:ln>
+        </p:spPr>
+        <p:style>
+          <a:lnRef idx="3">
+            <a:schemeClr val="accent1"/>
+          </a:lnRef>
+          <a:fillRef idx="0">
+            <a:srgbClr val="FFFFFF"/>
+          </a:fillRef>
+          <a:effectRef idx="0">
+            <a:srgbClr val="FFFFFF"/>
+          </a:effectRef>
+          <a:fontRef idx="minor">
+            <a:schemeClr val="tx1"/>
+          </a:fontRef>
+        </p:style>
+      </p:cxnSp>
+      <p:sp>
+        <p:nvSpPr>
+          <p:cNvPr id="52" name="Rounded Rectangle 16"/>
+          <p:cNvSpPr/>
+          <p:nvPr/>
+        </p:nvSpPr>
+        <p:spPr>
+          <a:xfrm>
+            <a:off x="16827031" y="7221370"/>
+            <a:ext cx="1692087" cy="989051"/>
+          </a:xfrm>
+          <a:prstGeom prst="roundRect">
+            <a:avLst/>
+          </a:prstGeom>
+          <a:solidFill>
+            <a:schemeClr val="accent2">
+              <a:lumMod val="60000"/>
+              <a:lumOff val="40000"/>
+            </a:schemeClr>
+          </a:solidFill>
+          <a:ln>
+            <a:noFill/>
+          </a:ln>
+        </p:spPr>
+        <p:style>
+          <a:lnRef idx="2">
+            <a:schemeClr val="accent1">
+              <a:lumMod val="75000"/>
+            </a:schemeClr>
+          </a:lnRef>
+          <a:fillRef idx="1">
+            <a:schemeClr val="accent1"/>
+          </a:fillRef>
+          <a:effectRef idx="0">
+            <a:srgbClr val="FFFFFF"/>
+          </a:effectRef>
+          <a:fontRef idx="minor">
+            <a:schemeClr val="lt1"/>
+          </a:fontRef>
+        </p:style>
+        <p:txBody>
+          <a:bodyPr rtlCol="0" anchor="ctr"/>
+          <a:p>
+            <a:pPr algn="ctr"/>
+            <a:r>
+              <a:rPr lang="en-US" sz="2835"/>
+              <a:t>Update</a:t>
+            </a:r>
+            <a:endParaRPr lang="en-US" sz="2835"/>
+          </a:p>
+          <a:p>
+            <a:pPr algn="ctr"/>
+            <a:r>
+              <a:rPr lang="en-US" sz="2835"/>
+              <a:t>Weights</a:t>
+            </a:r>
+            <a:endParaRPr lang="en-US" sz="2835"/>
+          </a:p>
+        </p:txBody>
+      </p:sp>
+      <p:cxnSp>
+        <p:nvCxnSpPr>
+          <p:cNvPr id="53" name="肘形连接符 52"/>
+          <p:cNvCxnSpPr>
+            <a:stCxn id="14" idx="1"/>
+            <a:endCxn id="17" idx="0"/>
+          </p:cNvCxnSpPr>
+          <p:nvPr/>
+        </p:nvCxnSpPr>
+        <p:spPr>
+          <a:xfrm rot="10800000" flipH="1" flipV="1">
+            <a:off x="15079345" y="5894705"/>
+            <a:ext cx="30480" cy="1329690"/>
+          </a:xfrm>
+          <a:prstGeom prst="bentConnector4">
+            <a:avLst>
+              <a:gd name="adj1" fmla="val -3458333"/>
+              <a:gd name="adj2" fmla="val 68625"/>
+            </a:avLst>
+          </a:prstGeom>
+          <a:ln>
+            <a:solidFill>
+              <a:schemeClr val="tx1"/>
+            </a:solidFill>
+            <a:tailEnd type="arrow" w="med" len="med"/>
+          </a:ln>
+        </p:spPr>
+        <p:style>
+          <a:lnRef idx="3">
+            <a:schemeClr val="accent1"/>
+          </a:lnRef>
+          <a:fillRef idx="0">
+            <a:srgbClr val="FFFFFF"/>
+          </a:fillRef>
+          <a:effectRef idx="0">
+            <a:srgbClr val="FFFFFF"/>
+          </a:effectRef>
+          <a:fontRef idx="minor">
+            <a:schemeClr val="tx1"/>
+          </a:fontRef>
+        </p:style>
+      </p:cxnSp>
+      <p:cxnSp>
+        <p:nvCxnSpPr>
+          <p:cNvPr id="54" name="Straight Arrow Connector 28"/>
+          <p:cNvCxnSpPr>
+            <a:stCxn id="17" idx="3"/>
+            <a:endCxn id="52" idx="1"/>
+          </p:cNvCxnSpPr>
+          <p:nvPr/>
+        </p:nvCxnSpPr>
+        <p:spPr>
+          <a:xfrm flipV="1">
+            <a:off x="15955933" y="7716126"/>
+            <a:ext cx="871220" cy="3175"/>
+          </a:xfrm>
+          <a:prstGeom prst="straightConnector1">
+            <a:avLst/>
+          </a:prstGeom>
+          <a:ln>
+            <a:solidFill>
+              <a:schemeClr val="tx1"/>
+            </a:solidFill>
+            <a:tailEnd type="arrow" w="med" len="med"/>
+          </a:ln>
+        </p:spPr>
+        <p:style>
+          <a:lnRef idx="3">
+            <a:schemeClr val="accent1"/>
+          </a:lnRef>
+          <a:fillRef idx="0">
+            <a:srgbClr val="FFFFFF"/>
+          </a:fillRef>
+          <a:effectRef idx="0">
+            <a:srgbClr val="FFFFFF"/>
+          </a:effectRef>
+          <a:fontRef idx="minor">
+            <a:schemeClr val="tx1"/>
+          </a:fontRef>
+        </p:style>
+      </p:cxnSp>
     </p:spTree>
   </p:cSld>
   <p:clrMapOvr>
     <a:masterClrMapping/>
   </p:clrMapOvr>
 </p:sld>
+</file>
+
+<file path=ppt/tags/tag1.xml><?xml version="1.0" encoding="utf-8"?>
+<p:tagLst xmlns:p="http://schemas.openxmlformats.org/presentationml/2006/main">
+  <p:tag name="TABLE_ENDDRAG_ORIGIN_RECT" val="316*364"/>
+  <p:tag name="TABLE_ENDDRAG_RECT" val="1804*281*316*364"/>
+</p:tagLst>
+</file>
+
+<file path=ppt/tags/tag2.xml><?xml version="1.0" encoding="utf-8"?>
+<p:tagLst xmlns:p="http://schemas.openxmlformats.org/presentationml/2006/main">
+  <p:tag name="commondata" val="eyJoZGlkIjoiMWRlNGJmNjgyODRkZWY5YTM4M2U5OGZiYzVjYWNkMjYifQ=="/>
+</p:tagLst>
 </file>
 
 <file path=ppt/theme/theme1.xml><?xml version="1.0" encoding="utf-8"?>
